--- a/notes/03-floats.pptx
+++ b/notes/03-floats.pptx
@@ -2538,7 +2538,19 @@
           <a:p>
             <a:r>
               <a:rPr lang="en-US" dirty="0" smtClean="0"/>
-              <a:t>0 000 01 = (0.01)_2 *</a:t>
+              <a:t>0 </a:t>
+            </a:r>
+            <a:r>
+              <a:rPr lang="en-US" dirty="0" smtClean="0">
+                <a:solidFill>
+                  <a:srgbClr val="0000FF"/>
+                </a:solidFill>
+              </a:rPr>
+              <a:t>000</a:t>
+            </a:r>
+            <a:r>
+              <a:rPr lang="en-US" dirty="0" smtClean="0"/>
+              <a:t> 01 = (0.01)_2 *</a:t>
             </a:r>
             <a:r>
               <a:rPr lang="en-US" baseline="0" dirty="0" smtClean="0"/>
@@ -2552,7 +2564,19 @@
           <a:p>
             <a:r>
               <a:rPr lang="en-US" dirty="0" smtClean="0"/>
-              <a:t>0 110 11 = (1.11) * 2 ^ (6-3) = 14</a:t>
+              <a:t>0 </a:t>
+            </a:r>
+            <a:r>
+              <a:rPr lang="en-US" dirty="0" smtClean="0">
+                <a:solidFill>
+                  <a:srgbClr val="0000FF"/>
+                </a:solidFill>
+              </a:rPr>
+              <a:t>110</a:t>
+            </a:r>
+            <a:r>
+              <a:rPr lang="en-US" dirty="0" smtClean="0"/>
+              <a:t> 11 = (1.11) * 2 ^ (6-3) = 14</a:t>
             </a:r>
             <a:endParaRPr lang="en-US" dirty="0"/>
           </a:p>
@@ -6406,7 +6430,7 @@
               <a:graphicData uri="http://schemas.openxmlformats.org/presentationml/2006/ole">
                 <mc:AlternateContent xmlns:mc="http://schemas.openxmlformats.org/markup-compatibility/2006">
                   <mc:Choice xmlns:v="urn:schemas-microsoft-com:vml" Requires="v">
-                    <p:oleObj spid="_x0000_s143513" name="公式" r:id="rId3" imgW="774700" imgH="228600" progId="Equation.3">
+                    <p:oleObj spid="_x0000_s143522" name="公式" r:id="rId3" imgW="774700" imgH="228600" progId="Equation.3">
                       <p:embed/>
                     </p:oleObj>
                   </mc:Choice>
@@ -6463,7 +6487,7 @@
               <a:graphicData uri="http://schemas.openxmlformats.org/presentationml/2006/ole">
                 <mc:AlternateContent xmlns:mc="http://schemas.openxmlformats.org/markup-compatibility/2006">
                   <mc:Choice xmlns:v="urn:schemas-microsoft-com:vml" Requires="v">
-                    <p:oleObj spid="_x0000_s143514" name="公式" r:id="rId5" imgW="711200" imgH="228600" progId="Equation.3">
+                    <p:oleObj spid="_x0000_s143523" name="公式" r:id="rId5" imgW="711200" imgH="228600" progId="Equation.3">
                       <p:embed/>
                     </p:oleObj>
                   </mc:Choice>
@@ -7257,7 +7281,7 @@
           <a:graphicData uri="http://schemas.openxmlformats.org/presentationml/2006/ole">
             <mc:AlternateContent xmlns:mc="http://schemas.openxmlformats.org/markup-compatibility/2006">
               <mc:Choice xmlns:v="urn:schemas-microsoft-com:vml" Requires="v">
-                <p:oleObj spid="_x0000_s143515" name="公式" r:id="rId7" imgW="711200" imgH="482600" progId="Equation.3">
+                <p:oleObj spid="_x0000_s143524" name="公式" r:id="rId7" imgW="711200" imgH="482600" progId="Equation.3">
                   <p:embed/>
                 </p:oleObj>
               </mc:Choice>
@@ -11473,7 +11497,7 @@
               <a:graphicData uri="http://schemas.openxmlformats.org/presentationml/2006/ole">
                 <mc:AlternateContent xmlns:mc="http://schemas.openxmlformats.org/markup-compatibility/2006">
                   <mc:Choice xmlns:v="urn:schemas-microsoft-com:vml" Requires="v">
-                    <p:oleObj spid="_x0000_s136460" name="公式" r:id="rId3" imgW="152400" imgH="127000" progId="Equation.3">
+                    <p:oleObj spid="_x0000_s136466" name="公式" r:id="rId3" imgW="152400" imgH="127000" progId="Equation.3">
                       <p:embed/>
                     </p:oleObj>
                   </mc:Choice>
@@ -11574,7 +11598,7 @@
               <a:graphicData uri="http://schemas.openxmlformats.org/presentationml/2006/ole">
                 <mc:AlternateContent xmlns:mc="http://schemas.openxmlformats.org/markup-compatibility/2006">
                   <mc:Choice xmlns:v="urn:schemas-microsoft-com:vml" Requires="v">
-                    <p:oleObj spid="_x0000_s136461" name="公式" r:id="rId5" imgW="152400" imgH="127000" progId="Equation.3">
+                    <p:oleObj spid="_x0000_s136467" name="公式" r:id="rId5" imgW="152400" imgH="127000" progId="Equation.3">
                       <p:embed/>
                     </p:oleObj>
                   </mc:Choice>
@@ -13128,7 +13152,7 @@
             <a:graphicData uri="http://schemas.openxmlformats.org/presentationml/2006/ole">
               <mc:AlternateContent xmlns:mc="http://schemas.openxmlformats.org/markup-compatibility/2006">
                 <mc:Choice xmlns:v="urn:schemas-microsoft-com:vml" Requires="v">
-                  <p:oleObj spid="_x0000_s133437" name="公式" r:id="rId3" imgW="152400" imgH="127000" progId="Equation.3">
+                  <p:oleObj spid="_x0000_s133443" name="公式" r:id="rId3" imgW="152400" imgH="127000" progId="Equation.3">
                     <p:embed/>
                   </p:oleObj>
                 </mc:Choice>
@@ -13229,7 +13253,7 @@
             <a:graphicData uri="http://schemas.openxmlformats.org/presentationml/2006/ole">
               <mc:AlternateContent xmlns:mc="http://schemas.openxmlformats.org/markup-compatibility/2006">
                 <mc:Choice xmlns:v="urn:schemas-microsoft-com:vml" Requires="v">
-                  <p:oleObj spid="_x0000_s133438" name="公式" r:id="rId5" imgW="152400" imgH="127000" progId="Equation.3">
+                  <p:oleObj spid="_x0000_s133444" name="公式" r:id="rId5" imgW="152400" imgH="127000" progId="Equation.3">
                     <p:embed/>
                   </p:oleObj>
                 </mc:Choice>
@@ -19182,7 +19206,7 @@
             <a:graphicData uri="http://schemas.openxmlformats.org/presentationml/2006/ole">
               <mc:AlternateContent xmlns:mc="http://schemas.openxmlformats.org/markup-compatibility/2006">
                 <mc:Choice xmlns:v="urn:schemas-microsoft-com:vml" Requires="v">
-                  <p:oleObj spid="_x0000_s117067" name="公式" r:id="rId3" imgW="152400" imgH="127000" progId="Equation.3">
+                  <p:oleObj spid="_x0000_s117073" name="公式" r:id="rId3" imgW="152400" imgH="127000" progId="Equation.3">
                     <p:embed/>
                   </p:oleObj>
                 </mc:Choice>
@@ -19283,7 +19307,7 @@
             <a:graphicData uri="http://schemas.openxmlformats.org/presentationml/2006/ole">
               <mc:AlternateContent xmlns:mc="http://schemas.openxmlformats.org/markup-compatibility/2006">
                 <mc:Choice xmlns:v="urn:schemas-microsoft-com:vml" Requires="v">
-                  <p:oleObj spid="_x0000_s117068" name="公式" r:id="rId5" imgW="152400" imgH="127000" progId="Equation.3">
+                  <p:oleObj spid="_x0000_s117074" name="公式" r:id="rId5" imgW="152400" imgH="127000" progId="Equation.3">
                     <p:embed/>
                   </p:oleObj>
                 </mc:Choice>
@@ -22306,7 +22330,7 @@
           <a:graphicData uri="http://schemas.openxmlformats.org/presentationml/2006/ole">
             <mc:AlternateContent xmlns:mc="http://schemas.openxmlformats.org/markup-compatibility/2006">
               <mc:Choice xmlns:v="urn:schemas-microsoft-com:vml" Requires="v">
-                <p:oleObj spid="_x0000_s65408" name="Equation" r:id="rId3" imgW="342900" imgH="177800" progId="Equation.3">
+                <p:oleObj spid="_x0000_s65411" name="Equation" r:id="rId3" imgW="342900" imgH="177800" progId="Equation.3">
                   <p:embed/>
                 </p:oleObj>
               </mc:Choice>
@@ -24000,7 +24024,7 @@
           <a:graphicData uri="http://schemas.openxmlformats.org/presentationml/2006/ole">
             <mc:AlternateContent xmlns:mc="http://schemas.openxmlformats.org/markup-compatibility/2006">
               <mc:Choice xmlns:v="urn:schemas-microsoft-com:vml" Requires="v">
-                <p:oleObj spid="_x0000_s1094" name="Equation" r:id="rId3" imgW="152400" imgH="127000" progId="Equation.3">
+                <p:oleObj spid="_x0000_s1097" name="Equation" r:id="rId3" imgW="152400" imgH="127000" progId="Equation.3">
                   <p:embed/>
                 </p:oleObj>
               </mc:Choice>
@@ -27463,7 +27487,7 @@
             <a:graphicData uri="http://schemas.openxmlformats.org/presentationml/2006/ole">
               <mc:AlternateContent xmlns:mc="http://schemas.openxmlformats.org/markup-compatibility/2006">
                 <mc:Choice xmlns:v="urn:schemas-microsoft-com:vml" Requires="v">
-                  <p:oleObj spid="_x0000_s135443" name="公式" r:id="rId3" imgW="152400" imgH="127000" progId="Equation.3">
+                  <p:oleObj spid="_x0000_s135449" name="公式" r:id="rId3" imgW="152400" imgH="127000" progId="Equation.3">
                     <p:embed/>
                   </p:oleObj>
                 </mc:Choice>
@@ -27564,7 +27588,7 @@
             <a:graphicData uri="http://schemas.openxmlformats.org/presentationml/2006/ole">
               <mc:AlternateContent xmlns:mc="http://schemas.openxmlformats.org/markup-compatibility/2006">
                 <mc:Choice xmlns:v="urn:schemas-microsoft-com:vml" Requires="v">
-                  <p:oleObj spid="_x0000_s135444" name="公式" r:id="rId5" imgW="152400" imgH="127000" progId="Equation.3">
+                  <p:oleObj spid="_x0000_s135450" name="公式" r:id="rId5" imgW="152400" imgH="127000" progId="Equation.3">
                     <p:embed/>
                   </p:oleObj>
                 </mc:Choice>
@@ -34610,12 +34634,18 @@
         </p:nvSpPr>
         <p:spPr/>
         <p:txBody>
-          <a:bodyPr/>
+          <a:bodyPr>
+            <a:normAutofit fontScale="90000"/>
+          </a:bodyPr>
           <a:lstStyle/>
           <a:p>
             <a:r>
+              <a:rPr kumimoji="1" lang="en-US" altLang="zh-CN" dirty="0" err="1" smtClean="0"/>
+              <a:t>Denormalized</a:t>
+            </a:r>
+            <a:r>
               <a:rPr kumimoji="1" lang="en-US" altLang="zh-CN" dirty="0" smtClean="0"/>
-              <a:t>Examples</a:t>
+              <a:t> representation examples</a:t>
             </a:r>
             <a:endParaRPr kumimoji="1" lang="zh-CN" altLang="en-US" dirty="0"/>
           </a:p>
@@ -35780,7 +35810,7 @@
           <a:graphicData uri="http://schemas.openxmlformats.org/presentationml/2006/ole">
             <mc:AlternateContent xmlns:mc="http://schemas.openxmlformats.org/markup-compatibility/2006">
               <mc:Choice xmlns:v="urn:schemas-microsoft-com:vml" Requires="v">
-                <p:oleObj spid="_x0000_s102859" name="公式" r:id="rId3" imgW="152400" imgH="127000" progId="Equation.3">
+                <p:oleObj spid="_x0000_s102865" name="公式" r:id="rId3" imgW="152400" imgH="127000" progId="Equation.3">
                   <p:embed/>
                 </p:oleObj>
               </mc:Choice>
@@ -35837,7 +35867,7 @@
           <a:graphicData uri="http://schemas.openxmlformats.org/presentationml/2006/ole">
             <mc:AlternateContent xmlns:mc="http://schemas.openxmlformats.org/markup-compatibility/2006">
               <mc:Choice xmlns:v="urn:schemas-microsoft-com:vml" Requires="v">
-                <p:oleObj spid="_x0000_s102860" name="公式" r:id="rId5" imgW="152400" imgH="127000" progId="Equation.3">
+                <p:oleObj spid="_x0000_s102866" name="公式" r:id="rId5" imgW="152400" imgH="127000" progId="Equation.3">
                   <p:embed/>
                 </p:oleObj>
               </mc:Choice>
@@ -37666,7 +37696,7 @@
           <a:graphicData uri="http://schemas.openxmlformats.org/presentationml/2006/ole">
             <mc:AlternateContent xmlns:mc="http://schemas.openxmlformats.org/markup-compatibility/2006">
               <mc:Choice xmlns:v="urn:schemas-microsoft-com:vml" Requires="v">
-                <p:oleObj spid="_x0000_s82482" name="公式" r:id="rId3" imgW="152400" imgH="127000" progId="Equation.3">
+                <p:oleObj spid="_x0000_s82485" name="公式" r:id="rId3" imgW="152400" imgH="127000" progId="Equation.3">
                   <p:embed/>
                 </p:oleObj>
               </mc:Choice>
@@ -39795,7 +39825,7 @@
           <a:graphicData uri="http://schemas.openxmlformats.org/presentationml/2006/ole">
             <mc:AlternateContent xmlns:mc="http://schemas.openxmlformats.org/markup-compatibility/2006">
               <mc:Choice xmlns:v="urn:schemas-microsoft-com:vml" Requires="v">
-                <p:oleObj spid="_x0000_s103822" name="Worksheet" r:id="rId4" imgW="8334632" imgH="1095839" progId="Excel.Sheet.8">
+                <p:oleObj spid="_x0000_s103826" name="Worksheet" r:id="rId4" imgW="8334632" imgH="1095839" progId="Excel.Sheet.8">
                   <p:embed/>
                 </p:oleObj>
               </mc:Choice>
@@ -41653,7 +41683,7 @@
         <p:spPr>
           <a:xfrm>
             <a:off x="3738293" y="2830980"/>
-            <a:ext cx="2638328" cy="523220"/>
+            <a:ext cx="4450874" cy="523220"/>
           </a:xfrm>
           <a:prstGeom prst="rect">
             <a:avLst/>
@@ -41680,9 +41710,21 @@
             </a:r>
             <a:r>
               <a:rPr lang="en-US" sz="2800" baseline="30000" dirty="0"/>
-              <a:t>-126</a:t>
-            </a:r>
-            <a:endParaRPr lang="en-US" sz="2800" dirty="0"/>
+              <a:t>-</a:t>
+            </a:r>
+            <a:r>
+              <a:rPr lang="en-US" sz="2800" baseline="30000" dirty="0" smtClean="0"/>
+              <a:t>126</a:t>
+            </a:r>
+            <a:r>
+              <a:rPr lang="en-US" sz="2800" dirty="0" smtClean="0"/>
+              <a:t> ≈ 1.4*10</a:t>
+            </a:r>
+            <a:r>
+              <a:rPr lang="en-US" sz="2800" baseline="30000" dirty="0" smtClean="0"/>
+              <a:t>-45</a:t>
+            </a:r>
+            <a:endParaRPr lang="en-US" sz="2800" baseline="30000" dirty="0"/>
           </a:p>
         </p:txBody>
       </p:sp>
@@ -41735,7 +41777,7 @@
         <p:spPr>
           <a:xfrm>
             <a:off x="3826841" y="3402542"/>
-            <a:ext cx="2355991" cy="523220"/>
+            <a:ext cx="3937278" cy="523220"/>
           </a:xfrm>
           <a:prstGeom prst="rect">
             <a:avLst/>
@@ -41772,6 +41814,14 @@
             <a:r>
               <a:rPr lang="en-US" sz="2800" baseline="30000" dirty="0" smtClean="0"/>
               <a:t>127</a:t>
+            </a:r>
+            <a:r>
+              <a:rPr lang="en-US" sz="2800" dirty="0" smtClean="0"/>
+              <a:t> ≈ 3.4*10</a:t>
+            </a:r>
+            <a:r>
+              <a:rPr lang="en-US" sz="2800" baseline="30000" dirty="0" smtClean="0"/>
+              <a:t>38</a:t>
             </a:r>
             <a:endParaRPr lang="en-US" sz="2800" baseline="30000" dirty="0"/>
           </a:p>
@@ -41866,7 +41916,7 @@
             </a:r>
             <a:r>
               <a:rPr lang="en-US" sz="2800" baseline="30000" dirty="0" smtClean="0"/>
-              <a:t>1022</a:t>
+              <a:t>1022 </a:t>
             </a:r>
             <a:endParaRPr lang="en-US" sz="2800" dirty="0"/>
           </a:p>
@@ -47785,6 +47835,7 @@
               <a:rPr lang="en-US" dirty="0" smtClean="0"/>
               <a:t>Overflow: </a:t>
             </a:r>
+            <a:endParaRPr lang="en-US" dirty="0" smtClean="0"/>
           </a:p>
           <a:p>
             <a:pPr marL="514350" lvl="1" indent="0">
@@ -47802,15 +47853,54 @@
                 <a:latin typeface="Courier New"/>
                 <a:cs typeface="Courier New"/>
               </a:rPr>
-              <a:t>3.14+1e10)-1e10 = </a:t>
+              <a:t>2</a:t>
             </a:r>
             <a:r>
               <a:rPr lang="en-US" dirty="0" smtClean="0">
                 <a:latin typeface="Courier New"/>
                 <a:cs typeface="Courier New"/>
               </a:rPr>
-              <a:t>0</a:t>
-            </a:r>
+              <a:t>e38</a:t>
+            </a:r>
+            <a:r>
+              <a:rPr lang="en-US" dirty="0" smtClean="0">
+                <a:latin typeface="Courier New"/>
+                <a:cs typeface="Courier New"/>
+              </a:rPr>
+              <a:t>+2e38)-</a:t>
+            </a:r>
+            <a:r>
+              <a:rPr lang="en-US" dirty="0" smtClean="0">
+                <a:latin typeface="Courier New"/>
+                <a:cs typeface="Courier New"/>
+              </a:rPr>
+              <a:t>1e38</a:t>
+            </a:r>
+            <a:r>
+              <a:rPr lang="en-US" dirty="0" smtClean="0">
+                <a:latin typeface="Courier New"/>
+                <a:cs typeface="Courier New"/>
+              </a:rPr>
+              <a:t> </a:t>
+            </a:r>
+            <a:r>
+              <a:rPr lang="en-US" dirty="0">
+                <a:latin typeface="Courier New"/>
+                <a:cs typeface="Courier New"/>
+              </a:rPr>
+              <a:t>= </a:t>
+            </a:r>
+            <a:r>
+              <a:rPr lang="en-US" dirty="0" err="1" smtClean="0">
+                <a:latin typeface="Courier New"/>
+                <a:cs typeface="Courier New"/>
+              </a:rPr>
+              <a:t>inf</a:t>
+            </a:r>
+            <a:endParaRPr lang="en-US" dirty="0" smtClean="0">
+              <a:latin typeface="Courier New"/>
+              <a:cs typeface="Courier New"/>
+            </a:endParaRPr>
           </a:p>
           <a:p>
             <a:pPr marL="514350" lvl="1" indent="0">
@@ -47824,18 +47914,39 @@
               <a:t> </a:t>
             </a:r>
             <a:r>
+              <a:rPr lang="en-US" dirty="0" smtClean="0">
+                <a:latin typeface="Courier New"/>
+                <a:cs typeface="Courier New"/>
+              </a:rPr>
+              <a:t>2</a:t>
+            </a:r>
+            <a:r>
+              <a:rPr lang="en-US" dirty="0" smtClean="0">
+                <a:latin typeface="Courier New"/>
+                <a:cs typeface="Courier New"/>
+              </a:rPr>
+              <a:t>e38</a:t>
+            </a:r>
+            <a:r>
+              <a:rPr lang="en-US" dirty="0" smtClean="0">
+                <a:latin typeface="Courier New"/>
+                <a:cs typeface="Courier New"/>
+              </a:rPr>
+              <a:t>+(2e38-1e38) </a:t>
+            </a:r>
+            <a:r>
               <a:rPr lang="en-US" dirty="0">
                 <a:latin typeface="Courier New"/>
                 <a:cs typeface="Courier New"/>
               </a:rPr>
-              <a:t>3.14+(1e10-1e10) = </a:t>
+              <a:t>= </a:t>
             </a:r>
             <a:r>
               <a:rPr lang="en-US" dirty="0" smtClean="0">
                 <a:latin typeface="Courier New"/>
                 <a:cs typeface="Courier New"/>
               </a:rPr>
-              <a:t>3.14</a:t>
+              <a:t>3e38</a:t>
             </a:r>
             <a:endParaRPr lang="en-US" dirty="0" smtClean="0"/>
           </a:p>
@@ -47847,28 +47958,76 @@
             </a:r>
           </a:p>
           <a:p>
-            <a:r>
-              <a:rPr lang="en-US" dirty="0" smtClean="0"/>
-              <a:t>Every number has an additive inverse? </a:t>
-            </a:r>
-          </a:p>
-          <a:p>
-            <a:pPr lvl="1"/>
-            <a:r>
-              <a:rPr lang="en-US" dirty="0" smtClean="0"/>
-              <a:t>Yes except for </a:t>
+            <a:pPr marL="514350" lvl="1" indent="0">
+              <a:buNone/>
+            </a:pPr>
+            <a:r>
+              <a:rPr lang="en-US" dirty="0">
+                <a:latin typeface="Courier New"/>
+                <a:cs typeface="Courier New"/>
+              </a:rPr>
+              <a:t>(3.14+</a:t>
             </a:r>
             <a:r>
               <a:rPr lang="en-US" dirty="0" smtClean="0">
-                <a:sym typeface="Symbol"/>
-              </a:rPr>
-              <a:t> and </a:t>
-            </a:r>
-            <a:r>
-              <a:rPr lang="en-US" dirty="0" err="1" smtClean="0">
-                <a:sym typeface="Symbol"/>
-              </a:rPr>
-              <a:t>NaN</a:t>
+                <a:latin typeface="Courier New"/>
+                <a:cs typeface="Courier New"/>
+              </a:rPr>
+              <a:t>1e38)</a:t>
+            </a:r>
+            <a:r>
+              <a:rPr lang="en-US" dirty="0">
+                <a:latin typeface="Courier New"/>
+                <a:cs typeface="Courier New"/>
+              </a:rPr>
+              <a:t>-</a:t>
+            </a:r>
+            <a:r>
+              <a:rPr lang="en-US" dirty="0" smtClean="0">
+                <a:latin typeface="Courier New"/>
+                <a:cs typeface="Courier New"/>
+              </a:rPr>
+              <a:t>1e38 </a:t>
+            </a:r>
+            <a:r>
+              <a:rPr lang="en-US" dirty="0">
+                <a:latin typeface="Courier New"/>
+                <a:cs typeface="Courier New"/>
+              </a:rPr>
+              <a:t>= 0</a:t>
+            </a:r>
+          </a:p>
+          <a:p>
+            <a:pPr marL="514350" lvl="1" indent="0">
+              <a:buNone/>
+            </a:pPr>
+            <a:r>
+              <a:rPr lang="en-US" dirty="0">
+                <a:latin typeface="Courier New"/>
+                <a:cs typeface="Courier New"/>
+              </a:rPr>
+              <a:t> 3.14+(</a:t>
+            </a:r>
+            <a:r>
+              <a:rPr lang="en-US" dirty="0" smtClean="0">
+                <a:latin typeface="Courier New"/>
+                <a:cs typeface="Courier New"/>
+              </a:rPr>
+              <a:t>1e38-1e38) </a:t>
+            </a:r>
+            <a:r>
+              <a:rPr lang="en-US" dirty="0">
+                <a:latin typeface="Courier New"/>
+                <a:cs typeface="Courier New"/>
+              </a:rPr>
+              <a:t>= </a:t>
+            </a:r>
+            <a:r>
+              <a:rPr lang="en-US" dirty="0" smtClean="0">
+                <a:latin typeface="Courier New"/>
+                <a:cs typeface="Courier New"/>
+              </a:rPr>
+              <a:t>3.14</a:t>
             </a:r>
             <a:endParaRPr lang="en-US" dirty="0" smtClean="0">
               <a:sym typeface="Symbol"/>
@@ -48138,6 +48297,104 @@
                       </p:childTnLst>
                     </p:cTn>
                   </p:par>
+                  <p:par>
+                    <p:cTn id="15" fill="hold">
+                      <p:stCondLst>
+                        <p:cond delay="indefinite"/>
+                      </p:stCondLst>
+                      <p:childTnLst>
+                        <p:par>
+                          <p:cTn id="16" fill="hold">
+                            <p:stCondLst>
+                              <p:cond delay="0"/>
+                            </p:stCondLst>
+                            <p:childTnLst>
+                              <p:par>
+                                <p:cTn id="17" presetID="1" presetClass="entr" presetSubtype="0" fill="hold" nodeType="clickEffect">
+                                  <p:stCondLst>
+                                    <p:cond delay="0"/>
+                                  </p:stCondLst>
+                                  <p:childTnLst>
+                                    <p:set>
+                                      <p:cBhvr>
+                                        <p:cTn id="18" dur="1" fill="hold">
+                                          <p:stCondLst>
+                                            <p:cond delay="0"/>
+                                          </p:stCondLst>
+                                        </p:cTn>
+                                        <p:tgtEl>
+                                          <p:spTgt spid="3">
+                                            <p:txEl>
+                                              <p:pRg st="7" end="7"/>
+                                            </p:txEl>
+                                          </p:spTgt>
+                                        </p:tgtEl>
+                                        <p:attrNameLst>
+                                          <p:attrName>style.visibility</p:attrName>
+                                        </p:attrNameLst>
+                                      </p:cBhvr>
+                                      <p:to>
+                                        <p:strVal val="visible"/>
+                                      </p:to>
+                                    </p:set>
+                                  </p:childTnLst>
+                                </p:cTn>
+                              </p:par>
+                            </p:childTnLst>
+                          </p:cTn>
+                        </p:par>
+                      </p:childTnLst>
+                    </p:cTn>
+                  </p:par>
+                  <p:par>
+                    <p:cTn id="19" fill="hold">
+                      <p:stCondLst>
+                        <p:cond delay="indefinite"/>
+                      </p:stCondLst>
+                      <p:childTnLst>
+                        <p:par>
+                          <p:cTn id="20" fill="hold">
+                            <p:stCondLst>
+                              <p:cond delay="0"/>
+                            </p:stCondLst>
+                            <p:childTnLst>
+                              <p:par>
+                                <p:cTn id="21" presetID="1" presetClass="entr" presetSubtype="0" fill="hold" nodeType="clickEffect">
+                                  <p:stCondLst>
+                                    <p:cond delay="0"/>
+                                  </p:stCondLst>
+                                  <p:childTnLst>
+                                    <p:set>
+                                      <p:cBhvr>
+                                        <p:cTn id="22" dur="1" fill="hold">
+                                          <p:stCondLst>
+                                            <p:cond delay="0"/>
+                                          </p:stCondLst>
+                                        </p:cTn>
+                                        <p:tgtEl>
+                                          <p:spTgt spid="3">
+                                            <p:txEl>
+                                              <p:pRg st="6" end="6"/>
+                                            </p:txEl>
+                                          </p:spTgt>
+                                        </p:tgtEl>
+                                        <p:attrNameLst>
+                                          <p:attrName>style.visibility</p:attrName>
+                                        </p:attrNameLst>
+                                      </p:cBhvr>
+                                      <p:to>
+                                        <p:strVal val="visible"/>
+                                      </p:to>
+                                    </p:set>
+                                  </p:childTnLst>
+                                </p:cTn>
+                              </p:par>
+                            </p:childTnLst>
+                          </p:cTn>
+                        </p:par>
+                      </p:childTnLst>
+                    </p:cTn>
+                  </p:par>
                 </p:childTnLst>
               </p:cTn>
               <p:prevCondLst>
@@ -48296,7 +48553,7 @@
               <a:rPr lang="en-US" dirty="0" smtClean="0">
                 <a:latin typeface="Courier New"/>
               </a:rPr>
-              <a:t>1e21*1e21)</a:t>
+              <a:t>1e20*1e20)</a:t>
             </a:r>
             <a:r>
               <a:rPr lang="en-US" dirty="0">
@@ -48308,7 +48565,7 @@
               <a:rPr lang="en-US" dirty="0" smtClean="0">
                 <a:latin typeface="Courier New"/>
               </a:rPr>
-              <a:t>21</a:t>
+              <a:t>20</a:t>
             </a:r>
             <a:r>
               <a:rPr lang="en-US" dirty="0" smtClean="0"/>
@@ -48334,7 +48591,7 @@
                 <a:latin typeface="Courier New"/>
                 <a:cs typeface="Courier New"/>
               </a:rPr>
-              <a:t>1e21*</a:t>
+              <a:t>1e20*</a:t>
             </a:r>
             <a:r>
               <a:rPr lang="en-US" dirty="0">
@@ -48348,7 +48605,7 @@
                 <a:latin typeface="Courier New"/>
                 <a:cs typeface="Courier New"/>
               </a:rPr>
-              <a:t>1e21*</a:t>
+              <a:t>1e20*</a:t>
             </a:r>
             <a:r>
               <a:rPr lang="en-US" dirty="0">
@@ -48362,7 +48619,7 @@
                 <a:latin typeface="Courier New"/>
                 <a:cs typeface="Courier New"/>
               </a:rPr>
-              <a:t>21)</a:t>
+              <a:t>20)</a:t>
             </a:r>
             <a:r>
               <a:rPr lang="en-US" dirty="0"/>
@@ -48373,7 +48630,7 @@
                 <a:latin typeface="Courier New"/>
                 <a:cs typeface="Courier New"/>
               </a:rPr>
-              <a:t>1e21</a:t>
+              <a:t>1e20</a:t>
             </a:r>
             <a:endParaRPr lang="en-US" dirty="0"/>
           </a:p>
@@ -48381,7 +48638,7 @@
             <a:pPr lvl="1"/>
             <a:r>
               <a:rPr lang="en-US" dirty="0" smtClean="0"/>
-              <a:t>Rounding</a:t>
+              <a:t>Rounding:</a:t>
             </a:r>
             <a:endParaRPr lang="en-US" dirty="0"/>
           </a:p>
@@ -48412,7 +48669,7 @@
                 <a:latin typeface="Courier New"/>
                 <a:cs typeface="Courier New"/>
               </a:rPr>
-              <a:t>1e21*</a:t>
+              <a:t>1e20*</a:t>
             </a:r>
             <a:r>
               <a:rPr lang="en-US" dirty="0">
@@ -48426,7 +48683,7 @@
                 <a:latin typeface="Courier New"/>
                 <a:cs typeface="Courier New"/>
               </a:rPr>
-              <a:t>1e21-1e21)</a:t>
+              <a:t>1e01-1e20)</a:t>
             </a:r>
             <a:r>
               <a:rPr lang="en-US" dirty="0"/>
@@ -48451,7 +48708,7 @@
                 <a:latin typeface="Courier New"/>
                 <a:cs typeface="Courier New"/>
               </a:rPr>
-              <a:t>1e21*1e21 </a:t>
+              <a:t>1e20*1e20 </a:t>
             </a:r>
             <a:r>
               <a:rPr lang="en-US" dirty="0">
@@ -48465,7 +48722,7 @@
                 <a:latin typeface="Courier New"/>
                 <a:cs typeface="Courier New"/>
               </a:rPr>
-              <a:t>1e21*1e21 </a:t>
+              <a:t>1e20*1e20 </a:t>
             </a:r>
             <a:r>
               <a:rPr lang="en-US" dirty="0"/>
@@ -50889,7 +51146,7 @@
           <a:graphicData uri="http://schemas.openxmlformats.org/presentationml/2006/ole">
             <mc:AlternateContent xmlns:mc="http://schemas.openxmlformats.org/markup-compatibility/2006">
               <mc:Choice xmlns:v="urn:schemas-microsoft-com:vml" Requires="v">
-                <p:oleObj spid="_x0000_s138349" name="公式" r:id="rId3" imgW="660400" imgH="457200" progId="Equation.3">
+                <p:oleObj spid="_x0000_s138352" name="公式" r:id="rId3" imgW="660400" imgH="457200" progId="Equation.3">
                   <p:embed/>
                 </p:oleObj>
               </mc:Choice>

--- a/notes/03-floats.pptx
+++ b/notes/03-floats.pptx
@@ -5,10 +5,10 @@
     <p:sldMasterId id="2147483684" r:id="rId1"/>
   </p:sldMasterIdLst>
   <p:notesMasterIdLst>
-    <p:notesMasterId r:id="rId69"/>
+    <p:notesMasterId r:id="rId72"/>
   </p:notesMasterIdLst>
   <p:handoutMasterIdLst>
-    <p:handoutMasterId r:id="rId70"/>
+    <p:handoutMasterId r:id="rId73"/>
   </p:handoutMasterIdLst>
   <p:sldIdLst>
     <p:sldId id="256" r:id="rId2"/>
@@ -71,13 +71,16 @@
     <p:sldId id="1044" r:id="rId59"/>
     <p:sldId id="974" r:id="rId60"/>
     <p:sldId id="1043" r:id="rId61"/>
-    <p:sldId id="1033" r:id="rId62"/>
-    <p:sldId id="1036" r:id="rId63"/>
-    <p:sldId id="1037" r:id="rId64"/>
-    <p:sldId id="1039" r:id="rId65"/>
-    <p:sldId id="1040" r:id="rId66"/>
-    <p:sldId id="1041" r:id="rId67"/>
-    <p:sldId id="1042" r:id="rId68"/>
+    <p:sldId id="1045" r:id="rId62"/>
+    <p:sldId id="1047" r:id="rId63"/>
+    <p:sldId id="1049" r:id="rId64"/>
+    <p:sldId id="1033" r:id="rId65"/>
+    <p:sldId id="1036" r:id="rId66"/>
+    <p:sldId id="1037" r:id="rId67"/>
+    <p:sldId id="1039" r:id="rId68"/>
+    <p:sldId id="1040" r:id="rId69"/>
+    <p:sldId id="1041" r:id="rId70"/>
+    <p:sldId id="1042" r:id="rId71"/>
   </p:sldIdLst>
   <p:sldSz cx="9144000" cy="6858000" type="screen4x3"/>
   <p:notesSz cx="6858000" cy="9144000"/>
@@ -1600,31 +1603,7 @@
           <a:bodyPr/>
           <a:lstStyle/>
           <a:p>
-            <a:r>
-              <a:rPr lang="en-US" dirty="0" smtClean="0"/>
-              <a:t>1e21 = 10</a:t>
-            </a:r>
-            <a:r>
-              <a:rPr lang="en-US" baseline="30000" dirty="0" smtClean="0"/>
-              <a:t>21 </a:t>
-            </a:r>
-            <a:r>
-              <a:rPr lang="en-US" baseline="0" dirty="0" smtClean="0"/>
-              <a:t>= 2</a:t>
-            </a:r>
-            <a:r>
-              <a:rPr lang="en-US" baseline="30000" dirty="0" smtClean="0"/>
-              <a:t>10*7 </a:t>
-            </a:r>
-            <a:r>
-              <a:rPr lang="en-US" baseline="0" dirty="0" smtClean="0"/>
-              <a:t>&gt; 2</a:t>
-            </a:r>
-            <a:r>
-              <a:rPr lang="en-US" baseline="30000" dirty="0" smtClean="0"/>
-              <a:t>70</a:t>
-            </a:r>
-            <a:endParaRPr lang="en-US" baseline="0" dirty="0"/>
+            <a:endParaRPr lang="en-US" dirty="0"/>
           </a:p>
         </p:txBody>
       </p:sp>
@@ -1645,7 +1624,7 @@
           <a:p>
             <a:fld id="{8556610F-FCBD-844B-B814-9F48A27EB77F}" type="slidenum">
               <a:rPr lang="en-US" smtClean="0"/>
-              <a:t>63</a:t>
+              <a:t>64</a:t>
             </a:fld>
             <a:endParaRPr lang="en-US"/>
           </a:p>
@@ -1654,7 +1633,7 @@
     </p:spTree>
     <p:extLst>
       <p:ext uri="{BB962C8B-B14F-4D97-AF65-F5344CB8AC3E}">
-        <p14:creationId xmlns:p14="http://schemas.microsoft.com/office/powerpoint/2010/main" val="1929217066"/>
+        <p14:creationId xmlns:p14="http://schemas.microsoft.com/office/powerpoint/2010/main" val="224745077"/>
       </p:ext>
     </p:extLst>
   </p:cSld>
@@ -1710,13 +1689,29 @@
           <a:p>
             <a:r>
               <a:rPr lang="en-US" dirty="0" smtClean="0"/>
-              <a:t>You can not represent</a:t>
+              <a:t>1e21 = 10</a:t>
+            </a:r>
+            <a:r>
+              <a:rPr lang="en-US" baseline="30000" dirty="0" smtClean="0"/>
+              <a:t>21 </a:t>
             </a:r>
             <a:r>
               <a:rPr lang="en-US" baseline="0" dirty="0" smtClean="0"/>
-              <a:t> 0.1 exactly in floating point</a:t>
-            </a:r>
-            <a:endParaRPr lang="en-US" dirty="0"/>
+              <a:t>= 2</a:t>
+            </a:r>
+            <a:r>
+              <a:rPr lang="en-US" baseline="30000" dirty="0" smtClean="0"/>
+              <a:t>10*7 </a:t>
+            </a:r>
+            <a:r>
+              <a:rPr lang="en-US" baseline="0" dirty="0" smtClean="0"/>
+              <a:t>&gt; 2</a:t>
+            </a:r>
+            <a:r>
+              <a:rPr lang="en-US" baseline="30000" dirty="0" smtClean="0"/>
+              <a:t>70</a:t>
+            </a:r>
+            <a:endParaRPr lang="en-US" baseline="0" dirty="0"/>
           </a:p>
         </p:txBody>
       </p:sp>
@@ -1735,9 +1730,9 @@
           <a:bodyPr/>
           <a:lstStyle/>
           <a:p>
-            <a:fld id="{AB68C08A-33DE-B14E-B2DE-046DC596C900}" type="slidenum">
+            <a:fld id="{8556610F-FCBD-844B-B814-9F48A27EB77F}" type="slidenum">
               <a:rPr lang="en-US" smtClean="0"/>
-              <a:t>65</a:t>
+              <a:t>66</a:t>
             </a:fld>
             <a:endParaRPr lang="en-US"/>
           </a:p>
@@ -1746,7 +1741,7 @@
     </p:spTree>
     <p:extLst>
       <p:ext uri="{BB962C8B-B14F-4D97-AF65-F5344CB8AC3E}">
-        <p14:creationId xmlns:p14="http://schemas.microsoft.com/office/powerpoint/2010/main" val="4248888372"/>
+        <p14:creationId xmlns:p14="http://schemas.microsoft.com/office/powerpoint/2010/main" val="1929217066"/>
       </p:ext>
     </p:extLst>
   </p:cSld>
@@ -1829,7 +1824,99 @@
           <a:p>
             <a:fld id="{AB68C08A-33DE-B14E-B2DE-046DC596C900}" type="slidenum">
               <a:rPr lang="en-US" smtClean="0"/>
-              <a:t>66</a:t>
+              <a:t>68</a:t>
+            </a:fld>
+            <a:endParaRPr lang="en-US"/>
+          </a:p>
+        </p:txBody>
+      </p:sp>
+    </p:spTree>
+    <p:extLst>
+      <p:ext uri="{BB962C8B-B14F-4D97-AF65-F5344CB8AC3E}">
+        <p14:creationId xmlns:p14="http://schemas.microsoft.com/office/powerpoint/2010/main" val="4248888372"/>
+      </p:ext>
+    </p:extLst>
+  </p:cSld>
+  <p:clrMapOvr>
+    <a:masterClrMapping/>
+  </p:clrMapOvr>
+</p:notes>
+</file>
+
+<file path=ppt/notesSlides/notesSlide16.xml><?xml version="1.0" encoding="utf-8"?>
+<p:notes xmlns:a="http://schemas.openxmlformats.org/drawingml/2006/main" xmlns:r="http://schemas.openxmlformats.org/officeDocument/2006/relationships" xmlns:p="http://schemas.openxmlformats.org/presentationml/2006/main">
+  <p:cSld>
+    <p:spTree>
+      <p:nvGrpSpPr>
+        <p:cNvPr id="1" name=""/>
+        <p:cNvGrpSpPr/>
+        <p:nvPr/>
+      </p:nvGrpSpPr>
+      <p:grpSpPr>
+        <a:xfrm>
+          <a:off x="0" y="0"/>
+          <a:ext cx="0" cy="0"/>
+          <a:chOff x="0" y="0"/>
+          <a:chExt cx="0" cy="0"/>
+        </a:xfrm>
+      </p:grpSpPr>
+      <p:sp>
+        <p:nvSpPr>
+          <p:cNvPr id="2" name="Slide Image Placeholder 1"/>
+          <p:cNvSpPr>
+            <a:spLocks noGrp="1" noRot="1" noChangeAspect="1"/>
+          </p:cNvSpPr>
+          <p:nvPr>
+            <p:ph type="sldImg"/>
+          </p:nvPr>
+        </p:nvSpPr>
+        <p:spPr/>
+      </p:sp>
+      <p:sp>
+        <p:nvSpPr>
+          <p:cNvPr id="3" name="Notes Placeholder 2"/>
+          <p:cNvSpPr>
+            <a:spLocks noGrp="1"/>
+          </p:cNvSpPr>
+          <p:nvPr>
+            <p:ph type="body" idx="1"/>
+          </p:nvPr>
+        </p:nvSpPr>
+        <p:spPr/>
+        <p:txBody>
+          <a:bodyPr/>
+          <a:lstStyle/>
+          <a:p>
+            <a:r>
+              <a:rPr lang="en-US" dirty="0" smtClean="0"/>
+              <a:t>You can not represent</a:t>
+            </a:r>
+            <a:r>
+              <a:rPr lang="en-US" baseline="0" dirty="0" smtClean="0"/>
+              <a:t> 0.1 exactly in floating point</a:t>
+            </a:r>
+            <a:endParaRPr lang="en-US" dirty="0"/>
+          </a:p>
+        </p:txBody>
+      </p:sp>
+      <p:sp>
+        <p:nvSpPr>
+          <p:cNvPr id="4" name="Slide Number Placeholder 3"/>
+          <p:cNvSpPr>
+            <a:spLocks noGrp="1"/>
+          </p:cNvSpPr>
+          <p:nvPr>
+            <p:ph type="sldNum" sz="quarter" idx="10"/>
+          </p:nvPr>
+        </p:nvSpPr>
+        <p:spPr/>
+        <p:txBody>
+          <a:bodyPr/>
+          <a:lstStyle/>
+          <a:p>
+            <a:fld id="{AB68C08A-33DE-B14E-B2DE-046DC596C900}" type="slidenum">
+              <a:rPr lang="en-US" smtClean="0"/>
+              <a:t>69</a:t>
             </a:fld>
             <a:endParaRPr lang="en-US"/>
           </a:p>
@@ -6430,7 +6517,7 @@
               <a:graphicData uri="http://schemas.openxmlformats.org/presentationml/2006/ole">
                 <mc:AlternateContent xmlns:mc="http://schemas.openxmlformats.org/markup-compatibility/2006">
                   <mc:Choice xmlns:v="urn:schemas-microsoft-com:vml" Requires="v">
-                    <p:oleObj spid="_x0000_s143522" name="公式" r:id="rId3" imgW="774700" imgH="228600" progId="Equation.3">
+                    <p:oleObj spid="_x0000_s143570" name="公式" r:id="rId3" imgW="774700" imgH="228600" progId="Equation.3">
                       <p:embed/>
                     </p:oleObj>
                   </mc:Choice>
@@ -6487,7 +6574,7 @@
               <a:graphicData uri="http://schemas.openxmlformats.org/presentationml/2006/ole">
                 <mc:AlternateContent xmlns:mc="http://schemas.openxmlformats.org/markup-compatibility/2006">
                   <mc:Choice xmlns:v="urn:schemas-microsoft-com:vml" Requires="v">
-                    <p:oleObj spid="_x0000_s143523" name="公式" r:id="rId5" imgW="711200" imgH="228600" progId="Equation.3">
+                    <p:oleObj spid="_x0000_s143571" name="公式" r:id="rId5" imgW="711200" imgH="228600" progId="Equation.3">
                       <p:embed/>
                     </p:oleObj>
                   </mc:Choice>
@@ -7281,7 +7368,7 @@
           <a:graphicData uri="http://schemas.openxmlformats.org/presentationml/2006/ole">
             <mc:AlternateContent xmlns:mc="http://schemas.openxmlformats.org/markup-compatibility/2006">
               <mc:Choice xmlns:v="urn:schemas-microsoft-com:vml" Requires="v">
-                <p:oleObj spid="_x0000_s143524" name="公式" r:id="rId7" imgW="711200" imgH="482600" progId="Equation.3">
+                <p:oleObj spid="_x0000_s143572" name="公式" r:id="rId7" imgW="711200" imgH="482600" progId="Equation.3">
                   <p:embed/>
                 </p:oleObj>
               </mc:Choice>
@@ -11497,7 +11584,7 @@
               <a:graphicData uri="http://schemas.openxmlformats.org/presentationml/2006/ole">
                 <mc:AlternateContent xmlns:mc="http://schemas.openxmlformats.org/markup-compatibility/2006">
                   <mc:Choice xmlns:v="urn:schemas-microsoft-com:vml" Requires="v">
-                    <p:oleObj spid="_x0000_s136466" name="公式" r:id="rId3" imgW="152400" imgH="127000" progId="Equation.3">
+                    <p:oleObj spid="_x0000_s136498" name="公式" r:id="rId3" imgW="152400" imgH="127000" progId="Equation.3">
                       <p:embed/>
                     </p:oleObj>
                   </mc:Choice>
@@ -11598,7 +11685,7 @@
               <a:graphicData uri="http://schemas.openxmlformats.org/presentationml/2006/ole">
                 <mc:AlternateContent xmlns:mc="http://schemas.openxmlformats.org/markup-compatibility/2006">
                   <mc:Choice xmlns:v="urn:schemas-microsoft-com:vml" Requires="v">
-                    <p:oleObj spid="_x0000_s136467" name="公式" r:id="rId5" imgW="152400" imgH="127000" progId="Equation.3">
+                    <p:oleObj spid="_x0000_s136499" name="公式" r:id="rId5" imgW="152400" imgH="127000" progId="Equation.3">
                       <p:embed/>
                     </p:oleObj>
                   </mc:Choice>
@@ -13152,7 +13239,7 @@
             <a:graphicData uri="http://schemas.openxmlformats.org/presentationml/2006/ole">
               <mc:AlternateContent xmlns:mc="http://schemas.openxmlformats.org/markup-compatibility/2006">
                 <mc:Choice xmlns:v="urn:schemas-microsoft-com:vml" Requires="v">
-                  <p:oleObj spid="_x0000_s133443" name="公式" r:id="rId3" imgW="152400" imgH="127000" progId="Equation.3">
+                  <p:oleObj spid="_x0000_s133475" name="公式" r:id="rId3" imgW="152400" imgH="127000" progId="Equation.3">
                     <p:embed/>
                   </p:oleObj>
                 </mc:Choice>
@@ -13253,7 +13340,7 @@
             <a:graphicData uri="http://schemas.openxmlformats.org/presentationml/2006/ole">
               <mc:AlternateContent xmlns:mc="http://schemas.openxmlformats.org/markup-compatibility/2006">
                 <mc:Choice xmlns:v="urn:schemas-microsoft-com:vml" Requires="v">
-                  <p:oleObj spid="_x0000_s133444" name="公式" r:id="rId5" imgW="152400" imgH="127000" progId="Equation.3">
+                  <p:oleObj spid="_x0000_s133476" name="公式" r:id="rId5" imgW="152400" imgH="127000" progId="Equation.3">
                     <p:embed/>
                   </p:oleObj>
                 </mc:Choice>
@@ -19206,7 +19293,7 @@
             <a:graphicData uri="http://schemas.openxmlformats.org/presentationml/2006/ole">
               <mc:AlternateContent xmlns:mc="http://schemas.openxmlformats.org/markup-compatibility/2006">
                 <mc:Choice xmlns:v="urn:schemas-microsoft-com:vml" Requires="v">
-                  <p:oleObj spid="_x0000_s117073" name="公式" r:id="rId3" imgW="152400" imgH="127000" progId="Equation.3">
+                  <p:oleObj spid="_x0000_s117105" name="公式" r:id="rId3" imgW="152400" imgH="127000" progId="Equation.3">
                     <p:embed/>
                   </p:oleObj>
                 </mc:Choice>
@@ -19307,7 +19394,7 @@
             <a:graphicData uri="http://schemas.openxmlformats.org/presentationml/2006/ole">
               <mc:AlternateContent xmlns:mc="http://schemas.openxmlformats.org/markup-compatibility/2006">
                 <mc:Choice xmlns:v="urn:schemas-microsoft-com:vml" Requires="v">
-                  <p:oleObj spid="_x0000_s117074" name="公式" r:id="rId5" imgW="152400" imgH="127000" progId="Equation.3">
+                  <p:oleObj spid="_x0000_s117106" name="公式" r:id="rId5" imgW="152400" imgH="127000" progId="Equation.3">
                     <p:embed/>
                   </p:oleObj>
                 </mc:Choice>
@@ -22330,7 +22417,7 @@
           <a:graphicData uri="http://schemas.openxmlformats.org/presentationml/2006/ole">
             <mc:AlternateContent xmlns:mc="http://schemas.openxmlformats.org/markup-compatibility/2006">
               <mc:Choice xmlns:v="urn:schemas-microsoft-com:vml" Requires="v">
-                <p:oleObj spid="_x0000_s65411" name="Equation" r:id="rId3" imgW="342900" imgH="177800" progId="Equation.3">
+                <p:oleObj spid="_x0000_s65427" name="Equation" r:id="rId3" imgW="342900" imgH="177800" progId="Equation.3">
                   <p:embed/>
                 </p:oleObj>
               </mc:Choice>
@@ -24024,7 +24111,7 @@
           <a:graphicData uri="http://schemas.openxmlformats.org/presentationml/2006/ole">
             <mc:AlternateContent xmlns:mc="http://schemas.openxmlformats.org/markup-compatibility/2006">
               <mc:Choice xmlns:v="urn:schemas-microsoft-com:vml" Requires="v">
-                <p:oleObj spid="_x0000_s1097" name="Equation" r:id="rId3" imgW="152400" imgH="127000" progId="Equation.3">
+                <p:oleObj spid="_x0000_s1113" name="Equation" r:id="rId3" imgW="152400" imgH="127000" progId="Equation.3">
                   <p:embed/>
                 </p:oleObj>
               </mc:Choice>
@@ -27487,7 +27574,7 @@
             <a:graphicData uri="http://schemas.openxmlformats.org/presentationml/2006/ole">
               <mc:AlternateContent xmlns:mc="http://schemas.openxmlformats.org/markup-compatibility/2006">
                 <mc:Choice xmlns:v="urn:schemas-microsoft-com:vml" Requires="v">
-                  <p:oleObj spid="_x0000_s135449" name="公式" r:id="rId3" imgW="152400" imgH="127000" progId="Equation.3">
+                  <p:oleObj spid="_x0000_s135481" name="公式" r:id="rId3" imgW="152400" imgH="127000" progId="Equation.3">
                     <p:embed/>
                   </p:oleObj>
                 </mc:Choice>
@@ -27588,7 +27675,7 @@
             <a:graphicData uri="http://schemas.openxmlformats.org/presentationml/2006/ole">
               <mc:AlternateContent xmlns:mc="http://schemas.openxmlformats.org/markup-compatibility/2006">
                 <mc:Choice xmlns:v="urn:schemas-microsoft-com:vml" Requires="v">
-                  <p:oleObj spid="_x0000_s135450" name="公式" r:id="rId5" imgW="152400" imgH="127000" progId="Equation.3">
+                  <p:oleObj spid="_x0000_s135482" name="公式" r:id="rId5" imgW="152400" imgH="127000" progId="Equation.3">
                     <p:embed/>
                   </p:oleObj>
                 </mc:Choice>
@@ -32317,7 +32404,7 @@
         <p:spPr>
           <a:xfrm>
             <a:off x="459620" y="2526309"/>
-            <a:ext cx="5453536" cy="1077218"/>
+            <a:ext cx="6457016" cy="1077218"/>
           </a:xfrm>
           <a:prstGeom prst="rect">
             <a:avLst/>
@@ -32330,6 +32417,16 @@
           <a:lstStyle/>
           <a:p>
             <a:r>
+              <a:rPr kumimoji="1" lang="en-US" altLang="zh-CN" sz="3200" b="1" dirty="0">
+                <a:solidFill>
+                  <a:srgbClr val="0000FF"/>
+                </a:solidFill>
+                <a:latin typeface="Arial"/>
+                <a:cs typeface="Arial"/>
+              </a:rPr>
+              <a:t>R</a:t>
+            </a:r>
+            <a:r>
               <a:rPr kumimoji="1" lang="en-US" altLang="zh-CN" sz="3200" b="1" dirty="0" smtClean="0">
                 <a:solidFill>
                   <a:srgbClr val="0000FF"/>
@@ -32337,8 +32434,15 @@
                 <a:latin typeface="Arial"/>
                 <a:cs typeface="Arial"/>
               </a:rPr>
-              <a:t>represent values which are </a:t>
-            </a:r>
+              <a:t>epresent zero, and values very </a:t>
+            </a:r>
+            <a:endParaRPr kumimoji="1" lang="en-US" altLang="zh-CN" sz="3200" b="1" dirty="0" smtClean="0">
+              <a:solidFill>
+                <a:srgbClr val="0000FF"/>
+              </a:solidFill>
+              <a:latin typeface="Arial"/>
+              <a:cs typeface="Arial"/>
+            </a:endParaRPr>
           </a:p>
           <a:p>
             <a:r>
@@ -32349,7 +32453,27 @@
                 <a:latin typeface="Arial"/>
                 <a:cs typeface="Arial"/>
               </a:rPr>
-              <a:t>close and equal to 0</a:t>
+              <a:t>close </a:t>
+            </a:r>
+            <a:r>
+              <a:rPr kumimoji="1" lang="en-US" altLang="zh-CN" sz="3200" b="1" dirty="0" smtClean="0">
+                <a:solidFill>
+                  <a:srgbClr val="0000FF"/>
+                </a:solidFill>
+                <a:latin typeface="Arial"/>
+                <a:cs typeface="Arial"/>
+              </a:rPr>
+              <a:t>to </a:t>
+            </a:r>
+            <a:r>
+              <a:rPr kumimoji="1" lang="en-US" altLang="zh-CN" sz="3200" b="1" dirty="0" smtClean="0">
+                <a:solidFill>
+                  <a:srgbClr val="0000FF"/>
+                </a:solidFill>
+                <a:latin typeface="Arial"/>
+                <a:cs typeface="Arial"/>
+              </a:rPr>
+              <a:t>0</a:t>
             </a:r>
             <a:endParaRPr lang="zh-CN" altLang="en-US" sz="1600" dirty="0">
               <a:solidFill>
@@ -34015,7 +34139,7 @@
         <p:spPr>
           <a:xfrm>
             <a:off x="86459" y="1798070"/>
-            <a:ext cx="893519" cy="523220"/>
+            <a:ext cx="594058" cy="523220"/>
           </a:xfrm>
           <a:prstGeom prst="rect">
             <a:avLst/>
@@ -34032,7 +34156,14 @@
                 <a:latin typeface="Arial"/>
                 <a:cs typeface="Arial"/>
               </a:rPr>
-              <a:t>+0.0</a:t>
+              <a:t>+</a:t>
+            </a:r>
+            <a:r>
+              <a:rPr kumimoji="1" lang="en-US" altLang="zh-CN" sz="2800" dirty="0" smtClean="0">
+                <a:latin typeface="Arial"/>
+                <a:cs typeface="Arial"/>
+              </a:rPr>
+              <a:t>0</a:t>
             </a:r>
             <a:endParaRPr kumimoji="1" lang="zh-CN" altLang="en-US" sz="2800" baseline="30000" dirty="0">
               <a:latin typeface="Arial"/>
@@ -34208,7 +34339,7 @@
         <p:spPr>
           <a:xfrm>
             <a:off x="86459" y="3831790"/>
-            <a:ext cx="803400" cy="523220"/>
+            <a:ext cx="503939" cy="523220"/>
           </a:xfrm>
           <a:prstGeom prst="rect">
             <a:avLst/>
@@ -34225,12 +34356,49 @@
                 <a:latin typeface="Arial"/>
                 <a:cs typeface="Arial"/>
               </a:rPr>
-              <a:t>-0.0</a:t>
+              <a:t>-</a:t>
+            </a:r>
+            <a:r>
+              <a:rPr kumimoji="1" lang="en-US" altLang="zh-CN" sz="2800" dirty="0" smtClean="0">
+                <a:latin typeface="Arial"/>
+                <a:cs typeface="Arial"/>
+              </a:rPr>
+              <a:t>0</a:t>
             </a:r>
             <a:endParaRPr kumimoji="1" lang="zh-CN" altLang="en-US" sz="2800" baseline="30000" dirty="0">
               <a:latin typeface="Arial"/>
               <a:cs typeface="Arial"/>
             </a:endParaRPr>
+          </a:p>
+        </p:txBody>
+      </p:sp>
+      <p:sp>
+        <p:nvSpPr>
+          <p:cNvPr id="3" name="TextBox 2"/>
+          <p:cNvSpPr txBox="1"/>
+          <p:nvPr/>
+        </p:nvSpPr>
+        <p:spPr>
+          <a:xfrm>
+            <a:off x="3239934" y="5604528"/>
+            <a:ext cx="1320594" cy="584776"/>
+          </a:xfrm>
+          <a:prstGeom prst="rect">
+            <a:avLst/>
+          </a:prstGeom>
+          <a:noFill/>
+        </p:spPr>
+        <p:txBody>
+          <a:bodyPr wrap="none" rtlCol="0">
+            <a:spAutoFit/>
+          </a:bodyPr>
+          <a:lstStyle/>
+          <a:p>
+            <a:r>
+              <a:rPr lang="en-US" sz="3200" dirty="0" smtClean="0"/>
+              <a:t>+0 = -0</a:t>
+            </a:r>
+            <a:endParaRPr lang="en-US" sz="3200" dirty="0"/>
           </a:p>
         </p:txBody>
       </p:sp>
@@ -35516,14 +35684,14 @@
           <p:nvPr>
             <p:extLst>
               <p:ext uri="{D42A27DB-BD31-4B8C-83A1-F6EECF244321}">
-                <p14:modId xmlns:p14="http://schemas.microsoft.com/office/powerpoint/2010/main" val="2893417674"/>
+                <p14:modId xmlns:p14="http://schemas.microsoft.com/office/powerpoint/2010/main" val="3765581679"/>
               </p:ext>
             </p:extLst>
           </p:nvPr>
         </p:nvGraphicFramePr>
         <p:xfrm>
-          <a:off x="1484340" y="3569705"/>
-          <a:ext cx="6096000" cy="1706880"/>
+          <a:off x="522492" y="3261717"/>
+          <a:ext cx="8568928" cy="3383280"/>
         </p:xfrm>
         <a:graphic>
           <a:graphicData uri="http://schemas.openxmlformats.org/drawingml/2006/table">
@@ -35532,9 +35700,10 @@
                 <a:tableStyleId>{5940675A-B579-460E-94D1-54222C63F5DA}</a:tableStyleId>
               </a:tblPr>
               <a:tblGrid>
-                <a:gridCol w="2032000"/>
-                <a:gridCol w="2032000"/>
-                <a:gridCol w="2032000"/>
+                <a:gridCol w="2142232"/>
+                <a:gridCol w="1279715"/>
+                <a:gridCol w="1848915"/>
+                <a:gridCol w="3298066"/>
               </a:tblGrid>
               <a:tr h="370840">
                 <a:tc>
@@ -35597,6 +35766,26 @@
                   </a:txBody>
                   <a:tcPr/>
                 </a:tc>
+                <a:tc>
+                  <a:txBody>
+                    <a:bodyPr/>
+                    <a:lstStyle/>
+                    <a:p>
+                      <a:r>
+                        <a:rPr lang="en-US" altLang="zh-CN" sz="2200" b="1" i="0" dirty="0" smtClean="0">
+                          <a:latin typeface="Verdana"/>
+                          <a:cs typeface="Verdana"/>
+                        </a:rPr>
+                        <a:t>Computation Rules</a:t>
+                      </a:r>
+                      <a:endParaRPr lang="zh-CN" altLang="en-US" sz="2200" b="1" i="0" dirty="0">
+                        <a:latin typeface="Verdana"/>
+                        <a:cs typeface="Verdana"/>
+                      </a:endParaRPr>
+                    </a:p>
+                  </a:txBody>
+                  <a:tcPr/>
+                </a:tc>
               </a:tr>
               <a:tr h="370840">
                 <a:tc>
@@ -35609,7 +35798,7 @@
                           <a:latin typeface="Verdana"/>
                           <a:cs typeface="Verdana"/>
                         </a:rPr>
-                        <a:t>+</a:t>
+                        <a:t>+∞ </a:t>
                       </a:r>
                       <a:endParaRPr lang="zh-CN" altLang="en-US" sz="2200" dirty="0">
                         <a:latin typeface="Verdana"/>
@@ -35659,6 +35848,35 @@
                   </a:txBody>
                   <a:tcPr/>
                 </a:tc>
+                <a:tc>
+                  <a:txBody>
+                    <a:bodyPr/>
+                    <a:lstStyle/>
+                    <a:p>
+                      <a:r>
+                        <a:rPr lang="en-US" altLang="zh-CN" sz="2200" dirty="0" smtClean="0">
+                          <a:latin typeface="Verdana"/>
+                          <a:cs typeface="Verdana"/>
+                        </a:rPr>
+                        <a:t>1/+0 = +∞ , 3e38+1e38 = +∞,</a:t>
+                      </a:r>
+                    </a:p>
+                    <a:p>
+                      <a:r>
+                        <a:rPr lang="en-US" altLang="zh-CN" sz="2200" dirty="0" smtClean="0">
+                          <a:latin typeface="Verdana"/>
+                          <a:cs typeface="Verdana"/>
+                        </a:rPr>
+                        <a:t>1/∞ = +0</a:t>
+                      </a:r>
+                      <a:endParaRPr lang="zh-CN" altLang="en-US" sz="2200" dirty="0">
+                        <a:latin typeface="Verdana"/>
+                        <a:cs typeface="Verdana"/>
+                      </a:endParaRPr>
+                    </a:p>
+                  </a:txBody>
+                  <a:tcPr/>
+                </a:tc>
               </a:tr>
               <a:tr h="370840">
                 <a:tc>
@@ -35671,7 +35889,7 @@
                           <a:latin typeface="Verdana"/>
                           <a:cs typeface="Verdana"/>
                         </a:rPr>
-                        <a:t>- </a:t>
+                        <a:t>-∞  </a:t>
                       </a:r>
                       <a:endParaRPr lang="zh-CN" altLang="en-US" sz="2200" dirty="0">
                         <a:latin typeface="Verdana"/>
@@ -35712,6 +35930,35 @@
                           <a:cs typeface="Verdana"/>
                         </a:rPr>
                         <a:t>all zeros</a:t>
+                      </a:r>
+                      <a:endParaRPr lang="zh-CN" altLang="en-US" sz="2200" dirty="0">
+                        <a:latin typeface="Verdana"/>
+                        <a:cs typeface="Verdana"/>
+                      </a:endParaRPr>
+                    </a:p>
+                  </a:txBody>
+                  <a:tcPr/>
+                </a:tc>
+                <a:tc>
+                  <a:txBody>
+                    <a:bodyPr/>
+                    <a:lstStyle/>
+                    <a:p>
+                      <a:r>
+                        <a:rPr lang="en-US" altLang="zh-CN" sz="2200" dirty="0" smtClean="0">
+                          <a:latin typeface="Verdana"/>
+                          <a:cs typeface="Verdana"/>
+                        </a:rPr>
+                        <a:t>1/-0 = -∞ , -3e38-1e38 = -∞ </a:t>
+                      </a:r>
+                    </a:p>
+                    <a:p>
+                      <a:r>
+                        <a:rPr lang="en-US" altLang="zh-CN" sz="2200" dirty="0" smtClean="0">
+                          <a:latin typeface="Verdana"/>
+                          <a:cs typeface="Verdana"/>
+                        </a:rPr>
+                        <a:t>1/-∞ = -0</a:t>
                       </a:r>
                       <a:endParaRPr lang="zh-CN" altLang="en-US" sz="2200" dirty="0">
                         <a:latin typeface="Verdana"/>
@@ -35783,122 +36030,44 @@
                   </a:txBody>
                   <a:tcPr/>
                 </a:tc>
+                <a:tc>
+                  <a:txBody>
+                    <a:bodyPr/>
+                    <a:lstStyle/>
+                    <a:p>
+                      <a:r>
+                        <a:rPr lang="en-US" altLang="zh-CN" sz="2200" dirty="0" err="1" smtClean="0">
+                          <a:latin typeface="Verdana"/>
+                          <a:cs typeface="Verdana"/>
+                        </a:rPr>
+                        <a:t>sqrt</a:t>
+                      </a:r>
+                      <a:r>
+                        <a:rPr lang="en-US" altLang="zh-CN" sz="2200" dirty="0" smtClean="0">
+                          <a:latin typeface="Verdana"/>
+                          <a:cs typeface="Verdana"/>
+                        </a:rPr>
+                        <a:t>(-1),</a:t>
+                      </a:r>
+                    </a:p>
+                    <a:p>
+                      <a:r>
+                        <a:rPr lang="en-US" altLang="zh-CN" sz="2200" dirty="0" smtClean="0">
+                          <a:latin typeface="Verdana"/>
+                          <a:cs typeface="Verdana"/>
+                        </a:rPr>
+                        <a:t>∞ +∞   </a:t>
+                      </a:r>
+                      <a:endParaRPr lang="zh-CN" altLang="en-US" sz="2200" dirty="0">
+                        <a:latin typeface="Verdana"/>
+                        <a:cs typeface="Verdana"/>
+                      </a:endParaRPr>
+                    </a:p>
+                  </a:txBody>
+                  <a:tcPr/>
+                </a:tc>
               </a:tr>
             </a:tbl>
-          </a:graphicData>
-        </a:graphic>
-      </p:graphicFrame>
-      <p:graphicFrame>
-        <p:nvGraphicFramePr>
-          <p:cNvPr id="14" name="对象 13"/>
-          <p:cNvGraphicFramePr>
-            <a:graphicFrameLocks noChangeAspect="1"/>
-          </p:cNvGraphicFramePr>
-          <p:nvPr>
-            <p:extLst>
-              <p:ext uri="{D42A27DB-BD31-4B8C-83A1-F6EECF244321}">
-                <p14:modId xmlns:p14="http://schemas.microsoft.com/office/powerpoint/2010/main" val="1162769703"/>
-              </p:ext>
-            </p:extLst>
-          </p:nvPr>
-        </p:nvGraphicFramePr>
-        <p:xfrm>
-          <a:off x="1742318" y="4082733"/>
-          <a:ext cx="400050" cy="333375"/>
-        </p:xfrm>
-        <a:graphic>
-          <a:graphicData uri="http://schemas.openxmlformats.org/presentationml/2006/ole">
-            <mc:AlternateContent xmlns:mc="http://schemas.openxmlformats.org/markup-compatibility/2006">
-              <mc:Choice xmlns:v="urn:schemas-microsoft-com:vml" Requires="v">
-                <p:oleObj spid="_x0000_s102865" name="公式" r:id="rId3" imgW="152400" imgH="127000" progId="Equation.3">
-                  <p:embed/>
-                </p:oleObj>
-              </mc:Choice>
-              <mc:Fallback>
-                <p:oleObj name="公式" r:id="rId3" imgW="152400" imgH="127000" progId="Equation.3">
-                  <p:embed/>
-                  <p:pic>
-                    <p:nvPicPr>
-                      <p:cNvPr id="0" name=""/>
-                      <p:cNvPicPr/>
-                      <p:nvPr/>
-                    </p:nvPicPr>
-                    <p:blipFill>
-                      <a:blip r:embed="rId4"/>
-                      <a:stretch>
-                        <a:fillRect/>
-                      </a:stretch>
-                    </p:blipFill>
-                    <p:spPr>
-                      <a:xfrm>
-                        <a:off x="1742318" y="4082733"/>
-                        <a:ext cx="400050" cy="333375"/>
-                      </a:xfrm>
-                      <a:prstGeom prst="rect">
-                        <a:avLst/>
-                      </a:prstGeom>
-                    </p:spPr>
-                  </p:pic>
-                </p:oleObj>
-              </mc:Fallback>
-            </mc:AlternateContent>
-          </a:graphicData>
-        </a:graphic>
-      </p:graphicFrame>
-      <p:graphicFrame>
-        <p:nvGraphicFramePr>
-          <p:cNvPr id="15" name="对象 14"/>
-          <p:cNvGraphicFramePr>
-            <a:graphicFrameLocks noChangeAspect="1"/>
-          </p:cNvGraphicFramePr>
-          <p:nvPr>
-            <p:extLst>
-              <p:ext uri="{D42A27DB-BD31-4B8C-83A1-F6EECF244321}">
-                <p14:modId xmlns:p14="http://schemas.microsoft.com/office/powerpoint/2010/main" val="1727341987"/>
-              </p:ext>
-            </p:extLst>
-          </p:nvPr>
-        </p:nvGraphicFramePr>
-        <p:xfrm>
-          <a:off x="1741343" y="4491664"/>
-          <a:ext cx="400050" cy="333375"/>
-        </p:xfrm>
-        <a:graphic>
-          <a:graphicData uri="http://schemas.openxmlformats.org/presentationml/2006/ole">
-            <mc:AlternateContent xmlns:mc="http://schemas.openxmlformats.org/markup-compatibility/2006">
-              <mc:Choice xmlns:v="urn:schemas-microsoft-com:vml" Requires="v">
-                <p:oleObj spid="_x0000_s102866" name="公式" r:id="rId5" imgW="152400" imgH="127000" progId="Equation.3">
-                  <p:embed/>
-                </p:oleObj>
-              </mc:Choice>
-              <mc:Fallback>
-                <p:oleObj name="公式" r:id="rId5" imgW="152400" imgH="127000" progId="Equation.3">
-                  <p:embed/>
-                  <p:pic>
-                    <p:nvPicPr>
-                      <p:cNvPr id="0" name=""/>
-                      <p:cNvPicPr/>
-                      <p:nvPr/>
-                    </p:nvPicPr>
-                    <p:blipFill>
-                      <a:blip r:embed="rId4"/>
-                      <a:stretch>
-                        <a:fillRect/>
-                      </a:stretch>
-                    </p:blipFill>
-                    <p:spPr>
-                      <a:xfrm>
-                        <a:off x="1741343" y="4491664"/>
-                        <a:ext cx="400050" cy="333375"/>
-                      </a:xfrm>
-                      <a:prstGeom prst="rect">
-                        <a:avLst/>
-                      </a:prstGeom>
-                    </p:spPr>
-                  </p:pic>
-                </p:oleObj>
-              </mc:Fallback>
-            </mc:AlternateContent>
           </a:graphicData>
         </a:graphic>
       </p:graphicFrame>
@@ -37696,7 +37865,7 @@
           <a:graphicData uri="http://schemas.openxmlformats.org/presentationml/2006/ole">
             <mc:AlternateContent xmlns:mc="http://schemas.openxmlformats.org/markup-compatibility/2006">
               <mc:Choice xmlns:v="urn:schemas-microsoft-com:vml" Requires="v">
-                <p:oleObj spid="_x0000_s82485" name="公式" r:id="rId3" imgW="152400" imgH="127000" progId="Equation.3">
+                <p:oleObj spid="_x0000_s82501" name="公式" r:id="rId3" imgW="152400" imgH="127000" progId="Equation.3">
                   <p:embed/>
                 </p:oleObj>
               </mc:Choice>
@@ -39825,7 +39994,7 @@
           <a:graphicData uri="http://schemas.openxmlformats.org/presentationml/2006/ole">
             <mc:AlternateContent xmlns:mc="http://schemas.openxmlformats.org/markup-compatibility/2006">
               <mc:Choice xmlns:v="urn:schemas-microsoft-com:vml" Requires="v">
-                <p:oleObj spid="_x0000_s103826" name="Worksheet" r:id="rId4" imgW="8334632" imgH="1095839" progId="Excel.Sheet.8">
+                <p:oleObj spid="_x0000_s103842" name="Worksheet" r:id="rId4" imgW="8334632" imgH="1095839" progId="Excel.Sheet.8">
                   <p:embed/>
                 </p:oleObj>
               </mc:Choice>
@@ -47529,6 +47698,1584 @@
       </p:grpSpPr>
       <p:sp>
         <p:nvSpPr>
+          <p:cNvPr id="2" name="标题 1"/>
+          <p:cNvSpPr>
+            <a:spLocks noGrp="1"/>
+          </p:cNvSpPr>
+          <p:nvPr>
+            <p:ph type="title"/>
+          </p:nvPr>
+        </p:nvSpPr>
+        <p:spPr/>
+        <p:txBody>
+          <a:bodyPr>
+            <a:normAutofit/>
+          </a:bodyPr>
+          <a:lstStyle/>
+          <a:p>
+            <a:r>
+              <a:rPr kumimoji="1" lang="en-US" altLang="zh-CN" dirty="0" smtClean="0"/>
+              <a:t>Rounding</a:t>
+            </a:r>
+            <a:endParaRPr kumimoji="1" lang="zh-CN" altLang="en-US" dirty="0"/>
+          </a:p>
+        </p:txBody>
+      </p:sp>
+      <p:sp>
+        <p:nvSpPr>
+          <p:cNvPr id="3" name="内容占位符 2"/>
+          <p:cNvSpPr>
+            <a:spLocks noGrp="1"/>
+          </p:cNvSpPr>
+          <p:nvPr>
+            <p:ph idx="1"/>
+          </p:nvPr>
+        </p:nvSpPr>
+        <p:spPr/>
+        <p:txBody>
+          <a:bodyPr>
+            <a:normAutofit/>
+          </a:bodyPr>
+          <a:lstStyle/>
+          <a:p>
+            <a:r>
+              <a:rPr kumimoji="1" lang="en-US" altLang="zh-CN" dirty="0" smtClean="0">
+                <a:latin typeface="Verdana"/>
+                <a:cs typeface="Verdana"/>
+              </a:rPr>
+              <a:t>Not all real numbers can be represented by 32 (or 64) bits.</a:t>
+            </a:r>
+          </a:p>
+          <a:p>
+            <a:r>
+              <a:rPr kumimoji="1" lang="en-US" altLang="zh-CN" dirty="0" smtClean="0">
+                <a:latin typeface="Verdana"/>
+                <a:cs typeface="Verdana"/>
+              </a:rPr>
+              <a:t>Rounding: use an adjacent representable number</a:t>
+            </a:r>
+            <a:endParaRPr kumimoji="1" lang="en-US" altLang="zh-CN" dirty="0">
+              <a:latin typeface="Verdana"/>
+              <a:cs typeface="Verdana"/>
+            </a:endParaRPr>
+          </a:p>
+          <a:p>
+            <a:r>
+              <a:rPr kumimoji="1" lang="en-US" altLang="zh-CN" dirty="0" smtClean="0">
+                <a:latin typeface="Verdana"/>
+                <a:cs typeface="Verdana"/>
+              </a:rPr>
+              <a:t>Round modes</a:t>
+            </a:r>
+          </a:p>
+          <a:p>
+            <a:pPr lvl="1"/>
+            <a:r>
+              <a:rPr kumimoji="1" lang="en-US" altLang="zh-CN" dirty="0" smtClean="0">
+                <a:latin typeface="Verdana"/>
+                <a:cs typeface="Verdana"/>
+              </a:rPr>
+              <a:t>Round-down</a:t>
+            </a:r>
+          </a:p>
+          <a:p>
+            <a:pPr lvl="1"/>
+            <a:r>
+              <a:rPr kumimoji="1" lang="en-US" altLang="zh-CN" dirty="0" smtClean="0">
+                <a:latin typeface="Verdana"/>
+                <a:cs typeface="Verdana"/>
+              </a:rPr>
+              <a:t>Round-up</a:t>
+            </a:r>
+          </a:p>
+          <a:p>
+            <a:pPr lvl="1"/>
+            <a:r>
+              <a:rPr kumimoji="1" lang="en-US" altLang="zh-CN" dirty="0" smtClean="0">
+                <a:latin typeface="Verdana"/>
+                <a:cs typeface="Verdana"/>
+              </a:rPr>
+              <a:t>Round-toward-zero</a:t>
+            </a:r>
+          </a:p>
+          <a:p>
+            <a:pPr lvl="1"/>
+            <a:r>
+              <a:rPr kumimoji="1" lang="en-US" altLang="zh-CN" dirty="0" smtClean="0">
+                <a:latin typeface="Verdana"/>
+                <a:cs typeface="Verdana"/>
+              </a:rPr>
+              <a:t>Round-to</a:t>
+            </a:r>
+            <a:r>
+              <a:rPr kumimoji="1" lang="en-US" altLang="zh-CN" dirty="0" smtClean="0">
+                <a:latin typeface="Verdana"/>
+                <a:cs typeface="Verdana"/>
+              </a:rPr>
+              <a:t>-even (Default)</a:t>
+            </a:r>
+            <a:endParaRPr kumimoji="1" lang="zh-CN" altLang="en-US" dirty="0">
+              <a:latin typeface="Verdana"/>
+              <a:cs typeface="Verdana"/>
+            </a:endParaRPr>
+          </a:p>
+        </p:txBody>
+      </p:sp>
+    </p:spTree>
+    <p:extLst>
+      <p:ext uri="{BB962C8B-B14F-4D97-AF65-F5344CB8AC3E}">
+        <p14:creationId xmlns:p14="http://schemas.microsoft.com/office/powerpoint/2010/main" val="136088752"/>
+      </p:ext>
+    </p:extLst>
+  </p:cSld>
+  <p:clrMapOvr>
+    <a:masterClrMapping/>
+  </p:clrMapOvr>
+  <p:timing>
+    <p:tnLst>
+      <p:par>
+        <p:cTn xmlns:p14="http://schemas.microsoft.com/office/powerpoint/2010/main" id="1" dur="indefinite" restart="never" nodeType="tmRoot"/>
+      </p:par>
+    </p:tnLst>
+  </p:timing>
+</p:sld>
+</file>
+
+<file path=ppt/slides/slide62.xml><?xml version="1.0" encoding="utf-8"?>
+<p:sld xmlns:a="http://schemas.openxmlformats.org/drawingml/2006/main" xmlns:r="http://schemas.openxmlformats.org/officeDocument/2006/relationships" xmlns:p="http://schemas.openxmlformats.org/presentationml/2006/main">
+  <p:cSld>
+    <p:spTree>
+      <p:nvGrpSpPr>
+        <p:cNvPr id="1" name=""/>
+        <p:cNvGrpSpPr/>
+        <p:nvPr/>
+      </p:nvGrpSpPr>
+      <p:grpSpPr>
+        <a:xfrm>
+          <a:off x="0" y="0"/>
+          <a:ext cx="0" cy="0"/>
+          <a:chOff x="0" y="0"/>
+          <a:chExt cx="0" cy="0"/>
+        </a:xfrm>
+      </p:grpSpPr>
+      <p:sp>
+        <p:nvSpPr>
+          <p:cNvPr id="2" name="标题 1"/>
+          <p:cNvSpPr>
+            <a:spLocks noGrp="1"/>
+          </p:cNvSpPr>
+          <p:nvPr>
+            <p:ph type="title"/>
+          </p:nvPr>
+        </p:nvSpPr>
+        <p:spPr/>
+        <p:txBody>
+          <a:bodyPr/>
+          <a:lstStyle/>
+          <a:p>
+            <a:r>
+              <a:rPr kumimoji="1" lang="en-US" altLang="zh-CN" dirty="0" smtClean="0"/>
+              <a:t>Round to </a:t>
+            </a:r>
+            <a:r>
+              <a:rPr kumimoji="1" lang="en-US" altLang="zh-CN" dirty="0" smtClean="0"/>
+              <a:t>even</a:t>
+            </a:r>
+            <a:endParaRPr kumimoji="1" lang="zh-CN" altLang="en-US" dirty="0"/>
+          </a:p>
+        </p:txBody>
+      </p:sp>
+      <p:sp>
+        <p:nvSpPr>
+          <p:cNvPr id="6" name="内容占位符 2"/>
+          <p:cNvSpPr>
+            <a:spLocks noGrp="1"/>
+          </p:cNvSpPr>
+          <p:nvPr>
+            <p:ph idx="1"/>
+          </p:nvPr>
+        </p:nvSpPr>
+        <p:spPr>
+          <a:xfrm>
+            <a:off x="453966" y="1405543"/>
+            <a:ext cx="8690034" cy="4525963"/>
+          </a:xfrm>
+        </p:spPr>
+        <p:txBody>
+          <a:bodyPr/>
+          <a:lstStyle/>
+          <a:p>
+            <a:pPr marL="0" indent="0">
+              <a:buNone/>
+            </a:pPr>
+            <a:r>
+              <a:rPr kumimoji="1" lang="en-US" altLang="zh-CN" dirty="0" smtClean="0">
+                <a:latin typeface="Verdana"/>
+                <a:cs typeface="Verdana"/>
+              </a:rPr>
+              <a:t>Round(</a:t>
+            </a:r>
+            <a:r>
+              <a:rPr kumimoji="1" lang="en-US" altLang="zh-CN" dirty="0" smtClean="0">
+                <a:latin typeface="Verdana"/>
+                <a:cs typeface="Verdana"/>
+              </a:rPr>
+              <a:t>x) to the nearest of the two adjacent numbers</a:t>
+            </a:r>
+            <a:endParaRPr kumimoji="1" lang="en-US" altLang="zh-CN" dirty="0">
+              <a:latin typeface="Verdana"/>
+              <a:cs typeface="Verdana"/>
+            </a:endParaRPr>
+          </a:p>
+          <a:p>
+            <a:pPr marL="0" indent="0">
+              <a:buNone/>
+            </a:pPr>
+            <a:endParaRPr kumimoji="1" lang="en-US" altLang="zh-CN" baseline="-25000" dirty="0">
+              <a:latin typeface="Verdana"/>
+              <a:cs typeface="Verdana"/>
+            </a:endParaRPr>
+          </a:p>
+        </p:txBody>
+      </p:sp>
+      <p:grpSp>
+        <p:nvGrpSpPr>
+          <p:cNvPr id="7" name="组 6"/>
+          <p:cNvGrpSpPr/>
+          <p:nvPr/>
+        </p:nvGrpSpPr>
+        <p:grpSpPr>
+          <a:xfrm>
+            <a:off x="193037" y="2875502"/>
+            <a:ext cx="8335963" cy="1744644"/>
+            <a:chOff x="196271" y="3298836"/>
+            <a:chExt cx="8335963" cy="1744644"/>
+          </a:xfrm>
+        </p:grpSpPr>
+        <p:graphicFrame>
+          <p:nvGraphicFramePr>
+            <p:cNvPr id="8" name="Object 6"/>
+            <p:cNvGraphicFramePr>
+              <a:graphicFrameLocks noChangeAspect="1"/>
+            </p:cNvGraphicFramePr>
+            <p:nvPr>
+              <p:extLst>
+                <p:ext uri="{D42A27DB-BD31-4B8C-83A1-F6EECF244321}">
+                  <p14:modId xmlns:p14="http://schemas.microsoft.com/office/powerpoint/2010/main" val="2138849191"/>
+                </p:ext>
+              </p:extLst>
+            </p:nvPr>
+          </p:nvGraphicFramePr>
+          <p:xfrm>
+            <a:off x="196271" y="3938580"/>
+            <a:ext cx="8335963" cy="1104900"/>
+          </p:xfrm>
+          <a:graphic>
+            <a:graphicData uri="http://schemas.openxmlformats.org/presentationml/2006/ole">
+              <mc:AlternateContent xmlns:mc="http://schemas.openxmlformats.org/markup-compatibility/2006">
+                <mc:Choice xmlns:v="urn:schemas-microsoft-com:vml" Requires="v">
+                  <p:oleObj spid="_x0000_s160775" name="Worksheet" r:id="rId3" imgW="8334632" imgH="1105208" progId="Excel.Sheet.8">
+                    <p:embed/>
+                  </p:oleObj>
+                </mc:Choice>
+                <mc:Fallback>
+                  <p:oleObj name="Worksheet" r:id="rId3" imgW="8334632" imgH="1105208" progId="Excel.Sheet.8">
+                    <p:embed/>
+                    <p:pic>
+                      <p:nvPicPr>
+                        <p:cNvPr id="0" name=""/>
+                        <p:cNvPicPr>
+                          <a:picLocks noChangeAspect="1" noChangeArrowheads="1"/>
+                        </p:cNvPicPr>
+                        <p:nvPr/>
+                      </p:nvPicPr>
+                      <p:blipFill>
+                        <a:blip r:embed="rId4">
+                          <a:extLst>
+                            <a:ext uri="{28A0092B-C50C-407E-A947-70E740481C1C}">
+                              <a14:useLocalDpi xmlns:a14="http://schemas.microsoft.com/office/drawing/2010/main" val="0"/>
+                            </a:ext>
+                          </a:extLst>
+                        </a:blip>
+                        <a:srcRect/>
+                        <a:stretch>
+                          <a:fillRect/>
+                        </a:stretch>
+                      </p:blipFill>
+                      <p:spPr bwMode="auto">
+                        <a:xfrm>
+                          <a:off x="196271" y="3938580"/>
+                          <a:ext cx="8335963" cy="1104900"/>
+                        </a:xfrm>
+                        <a:prstGeom prst="rect">
+                          <a:avLst/>
+                        </a:prstGeom>
+                        <a:noFill/>
+                        <a:ln>
+                          <a:noFill/>
+                        </a:ln>
+                        <a:effectLst/>
+                        <a:extLst>
+                          <a:ext uri="{909E8E84-426E-40dd-AFC4-6F175D3DCCD1}">
+                            <a14:hiddenFill xmlns:a14="http://schemas.microsoft.com/office/drawing/2010/main">
+                              <a:solidFill>
+                                <a:schemeClr val="bg1"/>
+                              </a:solidFill>
+                            </a14:hiddenFill>
+                          </a:ext>
+                          <a:ext uri="{91240B29-F687-4f45-9708-019B960494DF}">
+                            <a14:hiddenLine xmlns:a14="http://schemas.microsoft.com/office/drawing/2010/main" w="25400">
+                              <a:solidFill>
+                                <a:schemeClr val="tx1"/>
+                              </a:solidFill>
+                              <a:miter lim="800000"/>
+                              <a:headEnd/>
+                              <a:tailEnd/>
+                            </a14:hiddenLine>
+                          </a:ext>
+                          <a:ext uri="{AF507438-7753-43e0-B8FC-AC1667EBCBE1}">
+                            <a14:hiddenEffects xmlns:a14="http://schemas.microsoft.com/office/drawing/2010/main">
+                              <a:effectLst>
+                                <a:outerShdw blurRad="63500" dist="38099" dir="2700000" algn="ctr" rotWithShape="0">
+                                  <a:schemeClr val="bg2">
+                                    <a:alpha val="74998"/>
+                                  </a:schemeClr>
+                                </a:outerShdw>
+                              </a:effectLst>
+                            </a14:hiddenEffects>
+                          </a:ext>
+                        </a:extLst>
+                      </p:spPr>
+                    </p:pic>
+                  </p:oleObj>
+                </mc:Fallback>
+              </mc:AlternateContent>
+            </a:graphicData>
+          </a:graphic>
+        </p:graphicFrame>
+        <p:sp>
+          <p:nvSpPr>
+            <p:cNvPr id="9" name="矩形 8"/>
+            <p:cNvSpPr/>
+            <p:nvPr/>
+          </p:nvSpPr>
+          <p:spPr>
+            <a:xfrm>
+              <a:off x="457200" y="3323026"/>
+              <a:ext cx="788059" cy="307777"/>
+            </a:xfrm>
+            <a:prstGeom prst="rect">
+              <a:avLst/>
+            </a:prstGeom>
+          </p:spPr>
+          <p:txBody>
+            <a:bodyPr wrap="none">
+              <a:spAutoFit/>
+            </a:bodyPr>
+            <a:lstStyle/>
+            <a:p>
+              <a:r>
+                <a:rPr kumimoji="1" lang="en-US" altLang="zh-CN" sz="1400" dirty="0" smtClean="0">
+                  <a:latin typeface="Verdana"/>
+                  <a:cs typeface="Verdana"/>
+                </a:rPr>
+                <a:t>-0.875</a:t>
+              </a:r>
+              <a:endParaRPr lang="zh-CN" altLang="en-US" sz="1400" dirty="0"/>
+            </a:p>
+          </p:txBody>
+        </p:sp>
+        <p:sp>
+          <p:nvSpPr>
+            <p:cNvPr id="10" name="矩形 9"/>
+            <p:cNvSpPr/>
+            <p:nvPr/>
+          </p:nvSpPr>
+          <p:spPr>
+            <a:xfrm>
+              <a:off x="1461996" y="3338862"/>
+              <a:ext cx="673920" cy="307777"/>
+            </a:xfrm>
+            <a:prstGeom prst="rect">
+              <a:avLst/>
+            </a:prstGeom>
+          </p:spPr>
+          <p:txBody>
+            <a:bodyPr wrap="none">
+              <a:spAutoFit/>
+            </a:bodyPr>
+            <a:lstStyle/>
+            <a:p>
+              <a:r>
+                <a:rPr kumimoji="1" lang="en-US" altLang="zh-CN" sz="1400" dirty="0" smtClean="0">
+                  <a:latin typeface="Verdana"/>
+                  <a:cs typeface="Verdana"/>
+                </a:rPr>
+                <a:t>-0.75</a:t>
+              </a:r>
+              <a:endParaRPr lang="zh-CN" altLang="en-US" sz="1400" dirty="0"/>
+            </a:p>
+          </p:txBody>
+        </p:sp>
+        <p:cxnSp>
+          <p:nvCxnSpPr>
+            <p:cNvPr id="11" name="直线连接符 10"/>
+            <p:cNvCxnSpPr>
+              <a:stCxn id="9" idx="2"/>
+            </p:cNvCxnSpPr>
+            <p:nvPr/>
+          </p:nvCxnSpPr>
+          <p:spPr>
+            <a:xfrm>
+              <a:off x="851230" y="3630803"/>
+              <a:ext cx="164770" cy="307777"/>
+            </a:xfrm>
+            <a:prstGeom prst="line">
+              <a:avLst/>
+            </a:prstGeom>
+            <a:ln w="19050" cmpd="sng"/>
+          </p:spPr>
+          <p:style>
+            <a:lnRef idx="3">
+              <a:schemeClr val="dk1"/>
+            </a:lnRef>
+            <a:fillRef idx="0">
+              <a:schemeClr val="dk1"/>
+            </a:fillRef>
+            <a:effectRef idx="2">
+              <a:schemeClr val="dk1"/>
+            </a:effectRef>
+            <a:fontRef idx="minor">
+              <a:schemeClr val="tx1"/>
+            </a:fontRef>
+          </p:style>
+        </p:cxnSp>
+        <p:cxnSp>
+          <p:nvCxnSpPr>
+            <p:cNvPr id="12" name="直线连接符 11"/>
+            <p:cNvCxnSpPr>
+              <a:stCxn id="10" idx="2"/>
+            </p:cNvCxnSpPr>
+            <p:nvPr/>
+          </p:nvCxnSpPr>
+          <p:spPr>
+            <a:xfrm flipH="1">
+              <a:off x="1548190" y="3646639"/>
+              <a:ext cx="250766" cy="291941"/>
+            </a:xfrm>
+            <a:prstGeom prst="line">
+              <a:avLst/>
+            </a:prstGeom>
+            <a:ln w="19050" cmpd="sng"/>
+          </p:spPr>
+          <p:style>
+            <a:lnRef idx="3">
+              <a:schemeClr val="dk1"/>
+            </a:lnRef>
+            <a:fillRef idx="0">
+              <a:schemeClr val="dk1"/>
+            </a:fillRef>
+            <a:effectRef idx="2">
+              <a:schemeClr val="dk1"/>
+            </a:effectRef>
+            <a:fontRef idx="minor">
+              <a:schemeClr val="tx1"/>
+            </a:fontRef>
+          </p:style>
+        </p:cxnSp>
+        <p:sp>
+          <p:nvSpPr>
+            <p:cNvPr id="13" name="矩形 12"/>
+            <p:cNvSpPr/>
+            <p:nvPr/>
+          </p:nvSpPr>
+          <p:spPr>
+            <a:xfrm>
+              <a:off x="5689600" y="3338862"/>
+              <a:ext cx="478253" cy="307777"/>
+            </a:xfrm>
+            <a:prstGeom prst="rect">
+              <a:avLst/>
+            </a:prstGeom>
+          </p:spPr>
+          <p:txBody>
+            <a:bodyPr wrap="none">
+              <a:spAutoFit/>
+            </a:bodyPr>
+            <a:lstStyle/>
+            <a:p>
+              <a:r>
+                <a:rPr kumimoji="1" lang="en-US" altLang="zh-CN" sz="1400" dirty="0" smtClean="0">
+                  <a:latin typeface="Verdana"/>
+                  <a:cs typeface="Verdana"/>
+                </a:rPr>
+                <a:t>0.5</a:t>
+              </a:r>
+              <a:endParaRPr lang="zh-CN" altLang="en-US" sz="1400" dirty="0"/>
+            </a:p>
+          </p:txBody>
+        </p:sp>
+        <p:cxnSp>
+          <p:nvCxnSpPr>
+            <p:cNvPr id="14" name="直线连接符 13"/>
+            <p:cNvCxnSpPr>
+              <a:stCxn id="13" idx="2"/>
+            </p:cNvCxnSpPr>
+            <p:nvPr/>
+          </p:nvCxnSpPr>
+          <p:spPr>
+            <a:xfrm>
+              <a:off x="5928727" y="3646639"/>
+              <a:ext cx="319673" cy="307777"/>
+            </a:xfrm>
+            <a:prstGeom prst="line">
+              <a:avLst/>
+            </a:prstGeom>
+            <a:ln w="19050" cmpd="sng"/>
+          </p:spPr>
+          <p:style>
+            <a:lnRef idx="3">
+              <a:schemeClr val="dk1"/>
+            </a:lnRef>
+            <a:fillRef idx="0">
+              <a:schemeClr val="dk1"/>
+            </a:fillRef>
+            <a:effectRef idx="2">
+              <a:schemeClr val="dk1"/>
+            </a:effectRef>
+            <a:fontRef idx="minor">
+              <a:schemeClr val="tx1"/>
+            </a:fontRef>
+          </p:style>
+        </p:cxnSp>
+        <p:cxnSp>
+          <p:nvCxnSpPr>
+            <p:cNvPr id="15" name="直线连接符 14"/>
+            <p:cNvCxnSpPr/>
+            <p:nvPr/>
+          </p:nvCxnSpPr>
+          <p:spPr>
+            <a:xfrm flipH="1">
+              <a:off x="6756759" y="3630803"/>
+              <a:ext cx="125432" cy="307777"/>
+            </a:xfrm>
+            <a:prstGeom prst="line">
+              <a:avLst/>
+            </a:prstGeom>
+            <a:ln w="19050" cmpd="sng"/>
+          </p:spPr>
+          <p:style>
+            <a:lnRef idx="3">
+              <a:schemeClr val="dk1"/>
+            </a:lnRef>
+            <a:fillRef idx="0">
+              <a:schemeClr val="dk1"/>
+            </a:fillRef>
+            <a:effectRef idx="2">
+              <a:schemeClr val="dk1"/>
+            </a:effectRef>
+            <a:fontRef idx="minor">
+              <a:schemeClr val="tx1"/>
+            </a:fontRef>
+          </p:style>
+        </p:cxnSp>
+        <p:sp>
+          <p:nvSpPr>
+            <p:cNvPr id="16" name="矩形 15"/>
+            <p:cNvSpPr/>
+            <p:nvPr/>
+          </p:nvSpPr>
+          <p:spPr>
+            <a:xfrm>
+              <a:off x="6623714" y="3298836"/>
+              <a:ext cx="706531" cy="307777"/>
+            </a:xfrm>
+            <a:prstGeom prst="rect">
+              <a:avLst/>
+            </a:prstGeom>
+          </p:spPr>
+          <p:txBody>
+            <a:bodyPr wrap="none">
+              <a:spAutoFit/>
+            </a:bodyPr>
+            <a:lstStyle/>
+            <a:p>
+              <a:r>
+                <a:rPr kumimoji="1" lang="en-US" altLang="zh-CN" sz="1400" dirty="0" smtClean="0">
+                  <a:latin typeface="Verdana"/>
+                  <a:cs typeface="Verdana"/>
+                </a:rPr>
+                <a:t>0.625</a:t>
+              </a:r>
+              <a:endParaRPr lang="zh-CN" altLang="en-US" sz="1400" dirty="0"/>
+            </a:p>
+          </p:txBody>
+        </p:sp>
+      </p:grpSp>
+      <p:sp>
+        <p:nvSpPr>
+          <p:cNvPr id="17" name="矩形 16"/>
+          <p:cNvSpPr/>
+          <p:nvPr/>
+        </p:nvSpPr>
+        <p:spPr>
+          <a:xfrm>
+            <a:off x="588150" y="4951977"/>
+            <a:ext cx="2458801" cy="400110"/>
+          </a:xfrm>
+          <a:prstGeom prst="rect">
+            <a:avLst/>
+          </a:prstGeom>
+        </p:spPr>
+        <p:txBody>
+          <a:bodyPr wrap="none">
+            <a:spAutoFit/>
+          </a:bodyPr>
+          <a:lstStyle/>
+          <a:p>
+            <a:r>
+              <a:rPr kumimoji="1" lang="en-US" altLang="zh-CN" sz="2000" dirty="0">
+                <a:latin typeface="Verdana"/>
+                <a:cs typeface="Verdana"/>
+              </a:rPr>
+              <a:t>Round</a:t>
+            </a:r>
+            <a:r>
+              <a:rPr kumimoji="1" lang="en-US" altLang="zh-CN" sz="2000" dirty="0" smtClean="0">
+                <a:latin typeface="Verdana"/>
+                <a:cs typeface="Verdana"/>
+              </a:rPr>
+              <a:t>(-0.86) </a:t>
+            </a:r>
+            <a:r>
+              <a:rPr kumimoji="1" lang="en-US" altLang="zh-CN" sz="2000" dirty="0">
+                <a:latin typeface="Verdana"/>
+                <a:cs typeface="Verdana"/>
+              </a:rPr>
+              <a:t>= </a:t>
+            </a:r>
+            <a:r>
+              <a:rPr kumimoji="1" lang="en-US" altLang="zh-CN" sz="2000" dirty="0" smtClean="0">
+                <a:latin typeface="Verdana"/>
+                <a:cs typeface="Verdana"/>
+              </a:rPr>
+              <a:t>?</a:t>
+            </a:r>
+            <a:endParaRPr kumimoji="1" lang="en-US" altLang="zh-CN" sz="2000" baseline="-25000" dirty="0">
+              <a:latin typeface="Verdana"/>
+              <a:cs typeface="Verdana"/>
+            </a:endParaRPr>
+          </a:p>
+        </p:txBody>
+      </p:sp>
+      <p:sp>
+        <p:nvSpPr>
+          <p:cNvPr id="18" name="矩形 17"/>
+          <p:cNvSpPr/>
+          <p:nvPr/>
+        </p:nvSpPr>
+        <p:spPr>
+          <a:xfrm>
+            <a:off x="595410" y="5419896"/>
+            <a:ext cx="2342333" cy="400110"/>
+          </a:xfrm>
+          <a:prstGeom prst="rect">
+            <a:avLst/>
+          </a:prstGeom>
+        </p:spPr>
+        <p:txBody>
+          <a:bodyPr wrap="none">
+            <a:spAutoFit/>
+          </a:bodyPr>
+          <a:lstStyle/>
+          <a:p>
+            <a:r>
+              <a:rPr kumimoji="1" lang="en-US" altLang="zh-CN" sz="2000" dirty="0">
+                <a:latin typeface="Verdana"/>
+                <a:cs typeface="Verdana"/>
+              </a:rPr>
+              <a:t>Round</a:t>
+            </a:r>
+            <a:r>
+              <a:rPr kumimoji="1" lang="en-US" altLang="zh-CN" sz="2000" dirty="0" smtClean="0">
+                <a:latin typeface="Verdana"/>
+                <a:cs typeface="Verdana"/>
+              </a:rPr>
+              <a:t>(0.55) </a:t>
+            </a:r>
+            <a:r>
+              <a:rPr kumimoji="1" lang="en-US" altLang="zh-CN" sz="2000" dirty="0">
+                <a:latin typeface="Verdana"/>
+                <a:cs typeface="Verdana"/>
+              </a:rPr>
+              <a:t>= </a:t>
+            </a:r>
+            <a:r>
+              <a:rPr kumimoji="1" lang="en-US" altLang="zh-CN" sz="2000" dirty="0" smtClean="0">
+                <a:latin typeface="Verdana"/>
+                <a:cs typeface="Verdana"/>
+              </a:rPr>
+              <a:t>?</a:t>
+            </a:r>
+            <a:endParaRPr kumimoji="1" lang="en-US" altLang="zh-CN" sz="2000" baseline="-25000" dirty="0">
+              <a:latin typeface="Verdana"/>
+              <a:cs typeface="Verdana"/>
+            </a:endParaRPr>
+          </a:p>
+        </p:txBody>
+      </p:sp>
+      <p:sp>
+        <p:nvSpPr>
+          <p:cNvPr id="19" name="矩形 16"/>
+          <p:cNvSpPr/>
+          <p:nvPr/>
+        </p:nvSpPr>
+        <p:spPr>
+          <a:xfrm>
+            <a:off x="3046951" y="4951977"/>
+            <a:ext cx="930188" cy="400110"/>
+          </a:xfrm>
+          <a:prstGeom prst="rect">
+            <a:avLst/>
+          </a:prstGeom>
+        </p:spPr>
+        <p:txBody>
+          <a:bodyPr wrap="none">
+            <a:spAutoFit/>
+          </a:bodyPr>
+          <a:lstStyle/>
+          <a:p>
+            <a:r>
+              <a:rPr kumimoji="1" lang="en-US" altLang="zh-CN" sz="2000" dirty="0" smtClean="0">
+                <a:latin typeface="Verdana"/>
+                <a:cs typeface="Verdana"/>
+              </a:rPr>
+              <a:t>0.875</a:t>
+            </a:r>
+            <a:endParaRPr kumimoji="1" lang="en-US" altLang="zh-CN" sz="2000" baseline="-25000" dirty="0">
+              <a:latin typeface="Verdana"/>
+              <a:cs typeface="Verdana"/>
+            </a:endParaRPr>
+          </a:p>
+        </p:txBody>
+      </p:sp>
+      <p:sp>
+        <p:nvSpPr>
+          <p:cNvPr id="20" name="矩形 16"/>
+          <p:cNvSpPr/>
+          <p:nvPr/>
+        </p:nvSpPr>
+        <p:spPr>
+          <a:xfrm>
+            <a:off x="3046951" y="5473242"/>
+            <a:ext cx="604077" cy="400110"/>
+          </a:xfrm>
+          <a:prstGeom prst="rect">
+            <a:avLst/>
+          </a:prstGeom>
+        </p:spPr>
+        <p:txBody>
+          <a:bodyPr wrap="none">
+            <a:spAutoFit/>
+          </a:bodyPr>
+          <a:lstStyle/>
+          <a:p>
+            <a:r>
+              <a:rPr kumimoji="1" lang="en-US" altLang="zh-CN" sz="2000" dirty="0" smtClean="0">
+                <a:latin typeface="Verdana"/>
+                <a:cs typeface="Verdana"/>
+              </a:rPr>
+              <a:t>0.5</a:t>
+            </a:r>
+            <a:endParaRPr kumimoji="1" lang="en-US" altLang="zh-CN" sz="2000" baseline="-25000" dirty="0">
+              <a:latin typeface="Verdana"/>
+              <a:cs typeface="Verdana"/>
+            </a:endParaRPr>
+          </a:p>
+        </p:txBody>
+      </p:sp>
+    </p:spTree>
+    <p:extLst>
+      <p:ext uri="{BB962C8B-B14F-4D97-AF65-F5344CB8AC3E}">
+        <p14:creationId xmlns:p14="http://schemas.microsoft.com/office/powerpoint/2010/main" val="3773779426"/>
+      </p:ext>
+    </p:extLst>
+  </p:cSld>
+  <p:clrMapOvr>
+    <a:masterClrMapping/>
+  </p:clrMapOvr>
+  <p:timing>
+    <p:tnLst>
+      <p:par>
+        <p:cTn xmlns:p14="http://schemas.microsoft.com/office/powerpoint/2010/main" id="1" dur="indefinite" restart="never" nodeType="tmRoot">
+          <p:childTnLst>
+            <p:seq concurrent="1" nextAc="seek">
+              <p:cTn id="2" dur="indefinite" nodeType="mainSeq">
+                <p:childTnLst>
+                  <p:par>
+                    <p:cTn id="3" fill="hold">
+                      <p:stCondLst>
+                        <p:cond delay="indefinite"/>
+                      </p:stCondLst>
+                      <p:childTnLst>
+                        <p:par>
+                          <p:cTn id="4" fill="hold">
+                            <p:stCondLst>
+                              <p:cond delay="0"/>
+                            </p:stCondLst>
+                            <p:childTnLst>
+                              <p:par>
+                                <p:cTn id="5" presetID="1" presetClass="entr" presetSubtype="0" fill="hold" grpId="0" nodeType="clickEffect">
+                                  <p:stCondLst>
+                                    <p:cond delay="0"/>
+                                  </p:stCondLst>
+                                  <p:childTnLst>
+                                    <p:set>
+                                      <p:cBhvr>
+                                        <p:cTn id="6" dur="1" fill="hold">
+                                          <p:stCondLst>
+                                            <p:cond delay="0"/>
+                                          </p:stCondLst>
+                                        </p:cTn>
+                                        <p:tgtEl>
+                                          <p:spTgt spid="19"/>
+                                        </p:tgtEl>
+                                        <p:attrNameLst>
+                                          <p:attrName>style.visibility</p:attrName>
+                                        </p:attrNameLst>
+                                      </p:cBhvr>
+                                      <p:to>
+                                        <p:strVal val="visible"/>
+                                      </p:to>
+                                    </p:set>
+                                  </p:childTnLst>
+                                </p:cTn>
+                              </p:par>
+                            </p:childTnLst>
+                          </p:cTn>
+                        </p:par>
+                      </p:childTnLst>
+                    </p:cTn>
+                  </p:par>
+                  <p:par>
+                    <p:cTn id="7" fill="hold">
+                      <p:stCondLst>
+                        <p:cond delay="indefinite"/>
+                      </p:stCondLst>
+                      <p:childTnLst>
+                        <p:par>
+                          <p:cTn id="8" fill="hold">
+                            <p:stCondLst>
+                              <p:cond delay="0"/>
+                            </p:stCondLst>
+                            <p:childTnLst>
+                              <p:par>
+                                <p:cTn id="9" presetID="1" presetClass="entr" presetSubtype="0" fill="hold" grpId="0" nodeType="clickEffect">
+                                  <p:stCondLst>
+                                    <p:cond delay="0"/>
+                                  </p:stCondLst>
+                                  <p:childTnLst>
+                                    <p:set>
+                                      <p:cBhvr>
+                                        <p:cTn id="10" dur="1" fill="hold">
+                                          <p:stCondLst>
+                                            <p:cond delay="0"/>
+                                          </p:stCondLst>
+                                        </p:cTn>
+                                        <p:tgtEl>
+                                          <p:spTgt spid="20"/>
+                                        </p:tgtEl>
+                                        <p:attrNameLst>
+                                          <p:attrName>style.visibility</p:attrName>
+                                        </p:attrNameLst>
+                                      </p:cBhvr>
+                                      <p:to>
+                                        <p:strVal val="visible"/>
+                                      </p:to>
+                                    </p:set>
+                                  </p:childTnLst>
+                                </p:cTn>
+                              </p:par>
+                            </p:childTnLst>
+                          </p:cTn>
+                        </p:par>
+                      </p:childTnLst>
+                    </p:cTn>
+                  </p:par>
+                </p:childTnLst>
+              </p:cTn>
+              <p:prevCondLst>
+                <p:cond evt="onPrev" delay="0">
+                  <p:tgtEl>
+                    <p:sldTgt/>
+                  </p:tgtEl>
+                </p:cond>
+              </p:prevCondLst>
+              <p:nextCondLst>
+                <p:cond evt="onNext" delay="0">
+                  <p:tgtEl>
+                    <p:sldTgt/>
+                  </p:tgtEl>
+                </p:cond>
+              </p:nextCondLst>
+            </p:seq>
+          </p:childTnLst>
+        </p:cTn>
+      </p:par>
+    </p:tnLst>
+    <p:bldLst>
+      <p:bldP spid="19" grpId="0"/>
+      <p:bldP spid="20" grpId="0"/>
+    </p:bldLst>
+  </p:timing>
+</p:sld>
+</file>
+
+<file path=ppt/slides/slide63.xml><?xml version="1.0" encoding="utf-8"?>
+<p:sld xmlns:a="http://schemas.openxmlformats.org/drawingml/2006/main" xmlns:r="http://schemas.openxmlformats.org/officeDocument/2006/relationships" xmlns:p="http://schemas.openxmlformats.org/presentationml/2006/main">
+  <p:cSld>
+    <p:spTree>
+      <p:nvGrpSpPr>
+        <p:cNvPr id="1" name=""/>
+        <p:cNvGrpSpPr/>
+        <p:nvPr/>
+      </p:nvGrpSpPr>
+      <p:grpSpPr>
+        <a:xfrm>
+          <a:off x="0" y="0"/>
+          <a:ext cx="0" cy="0"/>
+          <a:chOff x="0" y="0"/>
+          <a:chExt cx="0" cy="0"/>
+        </a:xfrm>
+      </p:grpSpPr>
+      <p:sp>
+        <p:nvSpPr>
+          <p:cNvPr id="2" name="标题 1"/>
+          <p:cNvSpPr>
+            <a:spLocks noGrp="1"/>
+          </p:cNvSpPr>
+          <p:nvPr>
+            <p:ph type="title"/>
+          </p:nvPr>
+        </p:nvSpPr>
+        <p:spPr/>
+        <p:txBody>
+          <a:bodyPr/>
+          <a:lstStyle/>
+          <a:p>
+            <a:r>
+              <a:rPr kumimoji="1" lang="en-US" altLang="zh-CN" dirty="0" smtClean="0"/>
+              <a:t>Round to </a:t>
+            </a:r>
+            <a:r>
+              <a:rPr kumimoji="1" lang="en-US" altLang="zh-CN" dirty="0" smtClean="0"/>
+              <a:t>even: tie break</a:t>
+            </a:r>
+            <a:endParaRPr kumimoji="1" lang="zh-CN" altLang="en-US" dirty="0"/>
+          </a:p>
+        </p:txBody>
+      </p:sp>
+      <p:sp>
+        <p:nvSpPr>
+          <p:cNvPr id="6" name="内容占位符 2"/>
+          <p:cNvSpPr>
+            <a:spLocks noGrp="1"/>
+          </p:cNvSpPr>
+          <p:nvPr>
+            <p:ph idx="1"/>
+          </p:nvPr>
+        </p:nvSpPr>
+        <p:spPr>
+          <a:xfrm>
+            <a:off x="453966" y="1405543"/>
+            <a:ext cx="8690034" cy="4525963"/>
+          </a:xfrm>
+        </p:spPr>
+        <p:txBody>
+          <a:bodyPr/>
+          <a:lstStyle/>
+          <a:p>
+            <a:pPr marL="0" indent="0">
+              <a:buNone/>
+            </a:pPr>
+            <a:r>
+              <a:rPr kumimoji="1" lang="en-US" altLang="zh-CN" dirty="0">
+                <a:latin typeface="Verdana"/>
+                <a:cs typeface="Verdana"/>
+              </a:rPr>
+              <a:t>Round(x) to the nearest of the two adjacent numbers</a:t>
+            </a:r>
+          </a:p>
+          <a:p>
+            <a:pPr marL="0" indent="0">
+              <a:buNone/>
+            </a:pPr>
+            <a:endParaRPr kumimoji="1" lang="en-US" altLang="zh-CN" baseline="-25000" dirty="0">
+              <a:latin typeface="Verdana"/>
+              <a:cs typeface="Verdana"/>
+            </a:endParaRPr>
+          </a:p>
+        </p:txBody>
+      </p:sp>
+      <p:grpSp>
+        <p:nvGrpSpPr>
+          <p:cNvPr id="7" name="组 6"/>
+          <p:cNvGrpSpPr/>
+          <p:nvPr/>
+        </p:nvGrpSpPr>
+        <p:grpSpPr>
+          <a:xfrm>
+            <a:off x="193037" y="2875502"/>
+            <a:ext cx="8335963" cy="1744644"/>
+            <a:chOff x="196271" y="3298836"/>
+            <a:chExt cx="8335963" cy="1744644"/>
+          </a:xfrm>
+        </p:grpSpPr>
+        <p:graphicFrame>
+          <p:nvGraphicFramePr>
+            <p:cNvPr id="8" name="Object 6"/>
+            <p:cNvGraphicFramePr>
+              <a:graphicFrameLocks noChangeAspect="1"/>
+            </p:cNvGraphicFramePr>
+            <p:nvPr>
+              <p:extLst>
+                <p:ext uri="{D42A27DB-BD31-4B8C-83A1-F6EECF244321}">
+                  <p14:modId xmlns:p14="http://schemas.microsoft.com/office/powerpoint/2010/main" val="2281990421"/>
+                </p:ext>
+              </p:extLst>
+            </p:nvPr>
+          </p:nvGraphicFramePr>
+          <p:xfrm>
+            <a:off x="196271" y="3938580"/>
+            <a:ext cx="8335963" cy="1104900"/>
+          </p:xfrm>
+          <a:graphic>
+            <a:graphicData uri="http://schemas.openxmlformats.org/presentationml/2006/ole">
+              <mc:AlternateContent xmlns:mc="http://schemas.openxmlformats.org/markup-compatibility/2006">
+                <mc:Choice xmlns:v="urn:schemas-microsoft-com:vml" Requires="v">
+                  <p:oleObj spid="_x0000_s162823" name="Worksheet" r:id="rId3" imgW="8334632" imgH="1105208" progId="Excel.Sheet.8">
+                    <p:embed/>
+                  </p:oleObj>
+                </mc:Choice>
+                <mc:Fallback>
+                  <p:oleObj name="Worksheet" r:id="rId3" imgW="8334632" imgH="1105208" progId="Excel.Sheet.8">
+                    <p:embed/>
+                    <p:pic>
+                      <p:nvPicPr>
+                        <p:cNvPr id="0" name=""/>
+                        <p:cNvPicPr>
+                          <a:picLocks noChangeAspect="1" noChangeArrowheads="1"/>
+                        </p:cNvPicPr>
+                        <p:nvPr/>
+                      </p:nvPicPr>
+                      <p:blipFill>
+                        <a:blip r:embed="rId4">
+                          <a:extLst>
+                            <a:ext uri="{28A0092B-C50C-407E-A947-70E740481C1C}">
+                              <a14:useLocalDpi xmlns:a14="http://schemas.microsoft.com/office/drawing/2010/main" val="0"/>
+                            </a:ext>
+                          </a:extLst>
+                        </a:blip>
+                        <a:srcRect/>
+                        <a:stretch>
+                          <a:fillRect/>
+                        </a:stretch>
+                      </p:blipFill>
+                      <p:spPr bwMode="auto">
+                        <a:xfrm>
+                          <a:off x="196271" y="3938580"/>
+                          <a:ext cx="8335963" cy="1104900"/>
+                        </a:xfrm>
+                        <a:prstGeom prst="rect">
+                          <a:avLst/>
+                        </a:prstGeom>
+                        <a:noFill/>
+                        <a:ln>
+                          <a:noFill/>
+                        </a:ln>
+                        <a:effectLst/>
+                        <a:extLst>
+                          <a:ext uri="{909E8E84-426E-40dd-AFC4-6F175D3DCCD1}">
+                            <a14:hiddenFill xmlns:a14="http://schemas.microsoft.com/office/drawing/2010/main">
+                              <a:solidFill>
+                                <a:schemeClr val="bg1"/>
+                              </a:solidFill>
+                            </a14:hiddenFill>
+                          </a:ext>
+                          <a:ext uri="{91240B29-F687-4f45-9708-019B960494DF}">
+                            <a14:hiddenLine xmlns:a14="http://schemas.microsoft.com/office/drawing/2010/main" w="25400">
+                              <a:solidFill>
+                                <a:schemeClr val="tx1"/>
+                              </a:solidFill>
+                              <a:miter lim="800000"/>
+                              <a:headEnd/>
+                              <a:tailEnd/>
+                            </a14:hiddenLine>
+                          </a:ext>
+                          <a:ext uri="{AF507438-7753-43e0-B8FC-AC1667EBCBE1}">
+                            <a14:hiddenEffects xmlns:a14="http://schemas.microsoft.com/office/drawing/2010/main">
+                              <a:effectLst>
+                                <a:outerShdw blurRad="63500" dist="38099" dir="2700000" algn="ctr" rotWithShape="0">
+                                  <a:schemeClr val="bg2">
+                                    <a:alpha val="74998"/>
+                                  </a:schemeClr>
+                                </a:outerShdw>
+                              </a:effectLst>
+                            </a14:hiddenEffects>
+                          </a:ext>
+                        </a:extLst>
+                      </p:spPr>
+                    </p:pic>
+                  </p:oleObj>
+                </mc:Fallback>
+              </mc:AlternateContent>
+            </a:graphicData>
+          </a:graphic>
+        </p:graphicFrame>
+        <p:sp>
+          <p:nvSpPr>
+            <p:cNvPr id="9" name="矩形 8"/>
+            <p:cNvSpPr/>
+            <p:nvPr/>
+          </p:nvSpPr>
+          <p:spPr>
+            <a:xfrm>
+              <a:off x="457200" y="3323026"/>
+              <a:ext cx="788059" cy="307777"/>
+            </a:xfrm>
+            <a:prstGeom prst="rect">
+              <a:avLst/>
+            </a:prstGeom>
+          </p:spPr>
+          <p:txBody>
+            <a:bodyPr wrap="none">
+              <a:spAutoFit/>
+            </a:bodyPr>
+            <a:lstStyle/>
+            <a:p>
+              <a:r>
+                <a:rPr kumimoji="1" lang="en-US" altLang="zh-CN" sz="1400" dirty="0" smtClean="0">
+                  <a:latin typeface="Verdana"/>
+                  <a:cs typeface="Verdana"/>
+                </a:rPr>
+                <a:t>-0.875</a:t>
+              </a:r>
+              <a:endParaRPr lang="zh-CN" altLang="en-US" sz="1400" dirty="0"/>
+            </a:p>
+          </p:txBody>
+        </p:sp>
+        <p:sp>
+          <p:nvSpPr>
+            <p:cNvPr id="10" name="矩形 9"/>
+            <p:cNvSpPr/>
+            <p:nvPr/>
+          </p:nvSpPr>
+          <p:spPr>
+            <a:xfrm>
+              <a:off x="1461996" y="3338862"/>
+              <a:ext cx="673920" cy="307777"/>
+            </a:xfrm>
+            <a:prstGeom prst="rect">
+              <a:avLst/>
+            </a:prstGeom>
+          </p:spPr>
+          <p:txBody>
+            <a:bodyPr wrap="none">
+              <a:spAutoFit/>
+            </a:bodyPr>
+            <a:lstStyle/>
+            <a:p>
+              <a:r>
+                <a:rPr kumimoji="1" lang="en-US" altLang="zh-CN" sz="1400" dirty="0" smtClean="0">
+                  <a:latin typeface="Verdana"/>
+                  <a:cs typeface="Verdana"/>
+                </a:rPr>
+                <a:t>-0.75</a:t>
+              </a:r>
+              <a:endParaRPr lang="zh-CN" altLang="en-US" sz="1400" dirty="0"/>
+            </a:p>
+          </p:txBody>
+        </p:sp>
+        <p:cxnSp>
+          <p:nvCxnSpPr>
+            <p:cNvPr id="11" name="直线连接符 10"/>
+            <p:cNvCxnSpPr>
+              <a:stCxn id="9" idx="2"/>
+            </p:cNvCxnSpPr>
+            <p:nvPr/>
+          </p:nvCxnSpPr>
+          <p:spPr>
+            <a:xfrm>
+              <a:off x="851230" y="3630803"/>
+              <a:ext cx="164770" cy="307777"/>
+            </a:xfrm>
+            <a:prstGeom prst="line">
+              <a:avLst/>
+            </a:prstGeom>
+            <a:ln w="19050" cmpd="sng"/>
+          </p:spPr>
+          <p:style>
+            <a:lnRef idx="3">
+              <a:schemeClr val="dk1"/>
+            </a:lnRef>
+            <a:fillRef idx="0">
+              <a:schemeClr val="dk1"/>
+            </a:fillRef>
+            <a:effectRef idx="2">
+              <a:schemeClr val="dk1"/>
+            </a:effectRef>
+            <a:fontRef idx="minor">
+              <a:schemeClr val="tx1"/>
+            </a:fontRef>
+          </p:style>
+        </p:cxnSp>
+        <p:cxnSp>
+          <p:nvCxnSpPr>
+            <p:cNvPr id="12" name="直线连接符 11"/>
+            <p:cNvCxnSpPr>
+              <a:stCxn id="10" idx="2"/>
+            </p:cNvCxnSpPr>
+            <p:nvPr/>
+          </p:nvCxnSpPr>
+          <p:spPr>
+            <a:xfrm flipH="1">
+              <a:off x="1548190" y="3646639"/>
+              <a:ext cx="250766" cy="291941"/>
+            </a:xfrm>
+            <a:prstGeom prst="line">
+              <a:avLst/>
+            </a:prstGeom>
+            <a:ln w="19050" cmpd="sng"/>
+          </p:spPr>
+          <p:style>
+            <a:lnRef idx="3">
+              <a:schemeClr val="dk1"/>
+            </a:lnRef>
+            <a:fillRef idx="0">
+              <a:schemeClr val="dk1"/>
+            </a:fillRef>
+            <a:effectRef idx="2">
+              <a:schemeClr val="dk1"/>
+            </a:effectRef>
+            <a:fontRef idx="minor">
+              <a:schemeClr val="tx1"/>
+            </a:fontRef>
+          </p:style>
+        </p:cxnSp>
+        <p:sp>
+          <p:nvSpPr>
+            <p:cNvPr id="13" name="矩形 12"/>
+            <p:cNvSpPr/>
+            <p:nvPr/>
+          </p:nvSpPr>
+          <p:spPr>
+            <a:xfrm>
+              <a:off x="5689600" y="3338862"/>
+              <a:ext cx="478253" cy="307777"/>
+            </a:xfrm>
+            <a:prstGeom prst="rect">
+              <a:avLst/>
+            </a:prstGeom>
+          </p:spPr>
+          <p:txBody>
+            <a:bodyPr wrap="none">
+              <a:spAutoFit/>
+            </a:bodyPr>
+            <a:lstStyle/>
+            <a:p>
+              <a:r>
+                <a:rPr kumimoji="1" lang="en-US" altLang="zh-CN" sz="1400" dirty="0" smtClean="0">
+                  <a:latin typeface="Verdana"/>
+                  <a:cs typeface="Verdana"/>
+                </a:rPr>
+                <a:t>0.5</a:t>
+              </a:r>
+              <a:endParaRPr lang="zh-CN" altLang="en-US" sz="1400" dirty="0"/>
+            </a:p>
+          </p:txBody>
+        </p:sp>
+        <p:cxnSp>
+          <p:nvCxnSpPr>
+            <p:cNvPr id="14" name="直线连接符 13"/>
+            <p:cNvCxnSpPr>
+              <a:stCxn id="13" idx="2"/>
+            </p:cNvCxnSpPr>
+            <p:nvPr/>
+          </p:nvCxnSpPr>
+          <p:spPr>
+            <a:xfrm>
+              <a:off x="5928727" y="3646639"/>
+              <a:ext cx="319673" cy="307777"/>
+            </a:xfrm>
+            <a:prstGeom prst="line">
+              <a:avLst/>
+            </a:prstGeom>
+            <a:ln w="19050" cmpd="sng"/>
+          </p:spPr>
+          <p:style>
+            <a:lnRef idx="3">
+              <a:schemeClr val="dk1"/>
+            </a:lnRef>
+            <a:fillRef idx="0">
+              <a:schemeClr val="dk1"/>
+            </a:fillRef>
+            <a:effectRef idx="2">
+              <a:schemeClr val="dk1"/>
+            </a:effectRef>
+            <a:fontRef idx="minor">
+              <a:schemeClr val="tx1"/>
+            </a:fontRef>
+          </p:style>
+        </p:cxnSp>
+        <p:cxnSp>
+          <p:nvCxnSpPr>
+            <p:cNvPr id="15" name="直线连接符 14"/>
+            <p:cNvCxnSpPr/>
+            <p:nvPr/>
+          </p:nvCxnSpPr>
+          <p:spPr>
+            <a:xfrm flipH="1">
+              <a:off x="6756759" y="3630803"/>
+              <a:ext cx="125432" cy="307777"/>
+            </a:xfrm>
+            <a:prstGeom prst="line">
+              <a:avLst/>
+            </a:prstGeom>
+            <a:ln w="19050" cmpd="sng"/>
+          </p:spPr>
+          <p:style>
+            <a:lnRef idx="3">
+              <a:schemeClr val="dk1"/>
+            </a:lnRef>
+            <a:fillRef idx="0">
+              <a:schemeClr val="dk1"/>
+            </a:fillRef>
+            <a:effectRef idx="2">
+              <a:schemeClr val="dk1"/>
+            </a:effectRef>
+            <a:fontRef idx="minor">
+              <a:schemeClr val="tx1"/>
+            </a:fontRef>
+          </p:style>
+        </p:cxnSp>
+        <p:sp>
+          <p:nvSpPr>
+            <p:cNvPr id="16" name="矩形 15"/>
+            <p:cNvSpPr/>
+            <p:nvPr/>
+          </p:nvSpPr>
+          <p:spPr>
+            <a:xfrm>
+              <a:off x="6623714" y="3298836"/>
+              <a:ext cx="706531" cy="307777"/>
+            </a:xfrm>
+            <a:prstGeom prst="rect">
+              <a:avLst/>
+            </a:prstGeom>
+          </p:spPr>
+          <p:txBody>
+            <a:bodyPr wrap="none">
+              <a:spAutoFit/>
+            </a:bodyPr>
+            <a:lstStyle/>
+            <a:p>
+              <a:r>
+                <a:rPr kumimoji="1" lang="en-US" altLang="zh-CN" sz="1400" dirty="0" smtClean="0">
+                  <a:latin typeface="Verdana"/>
+                  <a:cs typeface="Verdana"/>
+                </a:rPr>
+                <a:t>0.625</a:t>
+              </a:r>
+              <a:endParaRPr lang="zh-CN" altLang="en-US" sz="1400" dirty="0"/>
+            </a:p>
+          </p:txBody>
+        </p:sp>
+      </p:grpSp>
+      <p:sp>
+        <p:nvSpPr>
+          <p:cNvPr id="17" name="矩形 16"/>
+          <p:cNvSpPr/>
+          <p:nvPr/>
+        </p:nvSpPr>
+        <p:spPr>
+          <a:xfrm>
+            <a:off x="588150" y="4951977"/>
+            <a:ext cx="3180904" cy="400110"/>
+          </a:xfrm>
+          <a:prstGeom prst="rect">
+            <a:avLst/>
+          </a:prstGeom>
+        </p:spPr>
+        <p:txBody>
+          <a:bodyPr wrap="none">
+            <a:spAutoFit/>
+          </a:bodyPr>
+          <a:lstStyle/>
+          <a:p>
+            <a:r>
+              <a:rPr kumimoji="1" lang="en-US" altLang="zh-CN" sz="2000" dirty="0">
+                <a:latin typeface="Verdana"/>
+                <a:cs typeface="Verdana"/>
+              </a:rPr>
+              <a:t>Round</a:t>
+            </a:r>
+            <a:r>
+              <a:rPr kumimoji="1" lang="en-US" altLang="zh-CN" sz="2000" dirty="0" smtClean="0">
+                <a:latin typeface="Verdana"/>
+                <a:cs typeface="Verdana"/>
+              </a:rPr>
+              <a:t>(-0.86) </a:t>
+            </a:r>
+            <a:r>
+              <a:rPr kumimoji="1" lang="en-US" altLang="zh-CN" sz="2000" dirty="0">
+                <a:latin typeface="Verdana"/>
+                <a:cs typeface="Verdana"/>
+              </a:rPr>
+              <a:t>= </a:t>
+            </a:r>
+            <a:r>
+              <a:rPr kumimoji="1" lang="en-US" altLang="zh-CN" sz="2000" dirty="0" smtClean="0">
+                <a:latin typeface="Verdana"/>
+                <a:cs typeface="Verdana"/>
+              </a:rPr>
+              <a:t>-0.875</a:t>
+            </a:r>
+            <a:endParaRPr kumimoji="1" lang="en-US" altLang="zh-CN" sz="2000" baseline="-25000" dirty="0">
+              <a:latin typeface="Verdana"/>
+              <a:cs typeface="Verdana"/>
+            </a:endParaRPr>
+          </a:p>
+        </p:txBody>
+      </p:sp>
+      <p:sp>
+        <p:nvSpPr>
+          <p:cNvPr id="18" name="矩形 17"/>
+          <p:cNvSpPr/>
+          <p:nvPr/>
+        </p:nvSpPr>
+        <p:spPr>
+          <a:xfrm>
+            <a:off x="595410" y="5419896"/>
+            <a:ext cx="2621856" cy="400110"/>
+          </a:xfrm>
+          <a:prstGeom prst="rect">
+            <a:avLst/>
+          </a:prstGeom>
+        </p:spPr>
+        <p:txBody>
+          <a:bodyPr wrap="none">
+            <a:spAutoFit/>
+          </a:bodyPr>
+          <a:lstStyle/>
+          <a:p>
+            <a:r>
+              <a:rPr kumimoji="1" lang="en-US" altLang="zh-CN" sz="2000" dirty="0">
+                <a:latin typeface="Verdana"/>
+                <a:cs typeface="Verdana"/>
+              </a:rPr>
+              <a:t>Round</a:t>
+            </a:r>
+            <a:r>
+              <a:rPr kumimoji="1" lang="en-US" altLang="zh-CN" sz="2000" dirty="0" smtClean="0">
+                <a:latin typeface="Verdana"/>
+                <a:cs typeface="Verdana"/>
+              </a:rPr>
+              <a:t>(0.55) </a:t>
+            </a:r>
+            <a:r>
+              <a:rPr kumimoji="1" lang="en-US" altLang="zh-CN" sz="2000" dirty="0">
+                <a:latin typeface="Verdana"/>
+                <a:cs typeface="Verdana"/>
+              </a:rPr>
+              <a:t>= </a:t>
+            </a:r>
+            <a:r>
+              <a:rPr kumimoji="1" lang="en-US" altLang="zh-CN" sz="2000" dirty="0" smtClean="0">
+                <a:latin typeface="Verdana"/>
+                <a:cs typeface="Verdana"/>
+              </a:rPr>
+              <a:t>0.5</a:t>
+            </a:r>
+            <a:endParaRPr kumimoji="1" lang="en-US" altLang="zh-CN" sz="2000" baseline="-25000" dirty="0">
+              <a:latin typeface="Verdana"/>
+              <a:cs typeface="Verdana"/>
+            </a:endParaRPr>
+          </a:p>
+        </p:txBody>
+      </p:sp>
+      <p:sp>
+        <p:nvSpPr>
+          <p:cNvPr id="3" name="矩形 2"/>
+          <p:cNvSpPr/>
+          <p:nvPr/>
+        </p:nvSpPr>
+        <p:spPr>
+          <a:xfrm>
+            <a:off x="3959166" y="5207605"/>
+            <a:ext cx="4829414" cy="1200328"/>
+          </a:xfrm>
+          <a:prstGeom prst="rect">
+            <a:avLst/>
+          </a:prstGeom>
+        </p:spPr>
+        <p:txBody>
+          <a:bodyPr wrap="square">
+            <a:spAutoFit/>
+          </a:bodyPr>
+          <a:lstStyle/>
+          <a:p>
+            <a:r>
+              <a:rPr lang="en-US" altLang="zh-CN" sz="3600" baseline="30000" dirty="0">
+                <a:solidFill>
+                  <a:srgbClr val="FF0000"/>
+                </a:solidFill>
+                <a:latin typeface="Arial"/>
+                <a:cs typeface="Arial"/>
+              </a:rPr>
+              <a:t>In case of a tie, the one with its least significant bit equal to zero is chosen. </a:t>
+            </a:r>
+          </a:p>
+        </p:txBody>
+      </p:sp>
+    </p:spTree>
+    <p:extLst>
+      <p:ext uri="{BB962C8B-B14F-4D97-AF65-F5344CB8AC3E}">
+        <p14:creationId xmlns:p14="http://schemas.microsoft.com/office/powerpoint/2010/main" val="972011929"/>
+      </p:ext>
+    </p:extLst>
+  </p:cSld>
+  <p:clrMapOvr>
+    <a:masterClrMapping/>
+  </p:clrMapOvr>
+  <p:timing>
+    <p:tnLst>
+      <p:par>
+        <p:cTn xmlns:p14="http://schemas.microsoft.com/office/powerpoint/2010/main" id="1" dur="indefinite" restart="never" nodeType="tmRoot"/>
+      </p:par>
+    </p:tnLst>
+  </p:timing>
+</p:sld>
+</file>
+
+<file path=ppt/slides/slide64.xml><?xml version="1.0" encoding="utf-8"?>
+<p:sld xmlns:a="http://schemas.openxmlformats.org/drawingml/2006/main" xmlns:r="http://schemas.openxmlformats.org/officeDocument/2006/relationships" xmlns:p="http://schemas.openxmlformats.org/presentationml/2006/main">
+  <p:cSld>
+    <p:spTree>
+      <p:nvGrpSpPr>
+        <p:cNvPr id="1" name=""/>
+        <p:cNvGrpSpPr/>
+        <p:nvPr/>
+      </p:nvGrpSpPr>
+      <p:grpSpPr>
+        <a:xfrm>
+          <a:off x="0" y="0"/>
+          <a:ext cx="0" cy="0"/>
+          <a:chOff x="0" y="0"/>
+          <a:chExt cx="0" cy="0"/>
+        </a:xfrm>
+      </p:grpSpPr>
+      <p:sp>
+        <p:nvSpPr>
           <p:cNvPr id="3" name="Content Placeholder 2"/>
           <p:cNvSpPr>
             <a:spLocks noGrp="1"/>
@@ -47614,7 +49361,7 @@
           <p:nvPr/>
         </p:nvPicPr>
         <p:blipFill>
-          <a:blip r:embed="rId2">
+          <a:blip r:embed="rId3">
             <a:extLst>
               <a:ext uri="{28A0092B-C50C-407E-A947-70E740481C1C}">
                 <a14:useLocalDpi xmlns:a14="http://schemas.microsoft.com/office/drawing/2010/main" val="0"/>
@@ -47644,7 +49391,7 @@
           <p:nvPr/>
         </p:nvPicPr>
         <p:blipFill>
-          <a:blip r:embed="rId3">
+          <a:blip r:embed="rId4">
             <a:extLst>
               <a:ext uri="{28A0092B-C50C-407E-A947-70E740481C1C}">
                 <a14:useLocalDpi xmlns:a14="http://schemas.microsoft.com/office/drawing/2010/main" val="0"/>
@@ -47673,8 +49420,8 @@
         </p:nvSpPr>
         <p:spPr>
           <a:xfrm>
-            <a:off x="703196" y="5627209"/>
-            <a:ext cx="7696538" cy="584776"/>
+            <a:off x="356018" y="5334821"/>
+            <a:ext cx="8787982" cy="1077218"/>
           </a:xfrm>
           <a:prstGeom prst="rect">
             <a:avLst/>
@@ -47689,7 +49436,41 @@
           <a:p>
             <a:r>
               <a:rPr lang="en-US" sz="3200" dirty="0" smtClean="0"/>
-              <a:t>If R1 or R2 is 0, overall resistance should be 0</a:t>
+              <a:t>If either R1 or R2 is 0, overall resistance should be 0</a:t>
+            </a:r>
+          </a:p>
+          <a:p>
+            <a:r>
+              <a:rPr lang="en-US" sz="3200" dirty="0" smtClean="0"/>
+              <a:t>(yes, if both are zero, </a:t>
+            </a:r>
+            <a:r>
+              <a:rPr lang="en-US" sz="3200" dirty="0" err="1" smtClean="0"/>
+              <a:t>i</a:t>
+            </a:r>
+            <a:r>
+              <a:rPr lang="en-US" sz="3200" dirty="0" smtClean="0"/>
+              <a:t> still get a </a:t>
+            </a:r>
+            <a:r>
+              <a:rPr lang="en-US" sz="3200" dirty="0" err="1" smtClean="0"/>
+              <a:t>NaN</a:t>
+            </a:r>
+            <a:r>
+              <a:rPr lang="en-US" sz="3200" dirty="0" smtClean="0"/>
+              <a:t>. ) </a:t>
+            </a:r>
+            <a:r>
+              <a:rPr lang="en-US" altLang="ja-JP" sz="3200" dirty="0"/>
+              <a:t>¯\_(</a:t>
+            </a:r>
+            <a:r>
+              <a:rPr lang="ja-JP" altLang="en-US" sz="3200" dirty="0"/>
+              <a:t>ツ</a:t>
+            </a:r>
+            <a:r>
+              <a:rPr lang="en-US" altLang="ja-JP" sz="3200" dirty="0"/>
+              <a:t>)_/¯</a:t>
             </a:r>
             <a:endParaRPr lang="en-US" sz="3200" dirty="0"/>
           </a:p>
@@ -47715,7 +49496,7 @@
 </p:sld>
 </file>
 
-<file path=ppt/slides/slide62.xml><?xml version="1.0" encoding="utf-8"?>
+<file path=ppt/slides/slide65.xml><?xml version="1.0" encoding="utf-8"?>
 <p:sld xmlns:a="http://schemas.openxmlformats.org/drawingml/2006/main" xmlns:r="http://schemas.openxmlformats.org/officeDocument/2006/relationships" xmlns:p="http://schemas.openxmlformats.org/presentationml/2006/main">
   <p:cSld>
     <p:spTree>
@@ -48420,7 +50201,7 @@
 </p:sld>
 </file>
 
-<file path=ppt/slides/slide63.xml><?xml version="1.0" encoding="utf-8"?>
+<file path=ppt/slides/slide66.xml><?xml version="1.0" encoding="utf-8"?>
 <p:sld xmlns:a="http://schemas.openxmlformats.org/drawingml/2006/main" xmlns:r="http://schemas.openxmlformats.org/officeDocument/2006/relationships" xmlns:p="http://schemas.openxmlformats.org/presentationml/2006/main">
   <p:cSld>
     <p:spTree>
@@ -48683,7 +50464,7 @@
                 <a:latin typeface="Courier New"/>
                 <a:cs typeface="Courier New"/>
               </a:rPr>
-              <a:t>1e01-1e20)</a:t>
+              <a:t>1e20-1e20)</a:t>
             </a:r>
             <a:r>
               <a:rPr lang="en-US" dirty="0"/>
@@ -49103,7 +50884,7 @@
 </p:sld>
 </file>
 
-<file path=ppt/slides/slide64.xml><?xml version="1.0" encoding="utf-8"?>
+<file path=ppt/slides/slide67.xml><?xml version="1.0" encoding="utf-8"?>
 <p:sld xmlns:a="http://schemas.openxmlformats.org/drawingml/2006/main" xmlns:r="http://schemas.openxmlformats.org/officeDocument/2006/relationships" xmlns:p="http://schemas.openxmlformats.org/presentationml/2006/main">
   <p:cSld>
     <p:spTree>
@@ -49677,7 +51458,7 @@
 </p:sld>
 </file>
 
-<file path=ppt/slides/slide65.xml><?xml version="1.0" encoding="utf-8"?>
+<file path=ppt/slides/slide68.xml><?xml version="1.0" encoding="utf-8"?>
 <p:sld xmlns:a="http://schemas.openxmlformats.org/drawingml/2006/main" xmlns:r="http://schemas.openxmlformats.org/officeDocument/2006/relationships" xmlns:p="http://schemas.openxmlformats.org/presentationml/2006/main">
   <p:cSld>
     <p:spTree>
@@ -49984,6 +51765,51 @@
                       </p:childTnLst>
                     </p:cTn>
                   </p:par>
+                  <p:par>
+                    <p:cTn id="7" fill="hold">
+                      <p:stCondLst>
+                        <p:cond delay="indefinite"/>
+                      </p:stCondLst>
+                      <p:childTnLst>
+                        <p:par>
+                          <p:cTn id="8" fill="hold">
+                            <p:stCondLst>
+                              <p:cond delay="0"/>
+                            </p:stCondLst>
+                            <p:childTnLst>
+                              <p:par>
+                                <p:cTn id="9" presetID="1" presetClass="entr" presetSubtype="0" fill="hold" grpId="1" nodeType="clickEffect">
+                                  <p:stCondLst>
+                                    <p:cond delay="0"/>
+                                  </p:stCondLst>
+                                  <p:childTnLst>
+                                    <p:set>
+                                      <p:cBhvr>
+                                        <p:cTn id="10" dur="1" fill="hold">
+                                          <p:stCondLst>
+                                            <p:cond delay="0"/>
+                                          </p:stCondLst>
+                                        </p:cTn>
+                                        <p:tgtEl>
+                                          <p:spTgt spid="5"/>
+                                        </p:tgtEl>
+                                        <p:attrNameLst>
+                                          <p:attrName>style.visibility</p:attrName>
+                                        </p:attrNameLst>
+                                      </p:cBhvr>
+                                      <p:to>
+                                        <p:strVal val="visible"/>
+                                      </p:to>
+                                    </p:set>
+                                  </p:childTnLst>
+                                </p:cTn>
+                              </p:par>
+                            </p:childTnLst>
+                          </p:cTn>
+                        </p:par>
+                      </p:childTnLst>
+                    </p:cTn>
+                  </p:par>
                 </p:childTnLst>
               </p:cTn>
               <p:prevCondLst>
@@ -50007,12 +51833,13 @@
     </p:tnLst>
     <p:bldLst>
       <p:bldP spid="5" grpId="0" animBg="1"/>
+      <p:bldP spid="5" grpId="1" animBg="1"/>
     </p:bldLst>
   </p:timing>
 </p:sld>
 </file>
 
-<file path=ppt/slides/slide66.xml><?xml version="1.0" encoding="utf-8"?>
+<file path=ppt/slides/slide69.xml><?xml version="1.0" encoding="utf-8"?>
 <p:sld xmlns:a="http://schemas.openxmlformats.org/drawingml/2006/main" xmlns:r="http://schemas.openxmlformats.org/officeDocument/2006/relationships" xmlns:p="http://schemas.openxmlformats.org/presentationml/2006/main">
   <p:cSld>
     <p:spTree>
@@ -50141,143 +51968,6 @@
     <p:extLst>
       <p:ext uri="{BB962C8B-B14F-4D97-AF65-F5344CB8AC3E}">
         <p14:creationId xmlns:p14="http://schemas.microsoft.com/office/powerpoint/2010/main" val="2061213446"/>
-      </p:ext>
-    </p:extLst>
-  </p:cSld>
-  <p:clrMapOvr>
-    <a:masterClrMapping/>
-  </p:clrMapOvr>
-  <p:timing>
-    <p:tnLst>
-      <p:par>
-        <p:cTn xmlns:p14="http://schemas.microsoft.com/office/powerpoint/2010/main" id="1" dur="indefinite" restart="never" nodeType="tmRoot"/>
-      </p:par>
-    </p:tnLst>
-  </p:timing>
-</p:sld>
-</file>
-
-<file path=ppt/slides/slide67.xml><?xml version="1.0" encoding="utf-8"?>
-<p:sld xmlns:a="http://schemas.openxmlformats.org/drawingml/2006/main" xmlns:r="http://schemas.openxmlformats.org/officeDocument/2006/relationships" xmlns:p="http://schemas.openxmlformats.org/presentationml/2006/main">
-  <p:cSld>
-    <p:spTree>
-      <p:nvGrpSpPr>
-        <p:cNvPr id="1" name=""/>
-        <p:cNvGrpSpPr/>
-        <p:nvPr/>
-      </p:nvGrpSpPr>
-      <p:grpSpPr>
-        <a:xfrm>
-          <a:off x="0" y="0"/>
-          <a:ext cx="0" cy="0"/>
-          <a:chOff x="0" y="0"/>
-          <a:chExt cx="0" cy="0"/>
-        </a:xfrm>
-      </p:grpSpPr>
-      <p:sp>
-        <p:nvSpPr>
-          <p:cNvPr id="2" name="Title 1"/>
-          <p:cNvSpPr>
-            <a:spLocks noGrp="1"/>
-          </p:cNvSpPr>
-          <p:nvPr>
-            <p:ph type="title"/>
-          </p:nvPr>
-        </p:nvSpPr>
-        <p:spPr/>
-        <p:txBody>
-          <a:bodyPr/>
-          <a:lstStyle/>
-          <a:p>
-            <a:r>
-              <a:rPr lang="en-US" dirty="0" smtClean="0"/>
-              <a:t>Floating point summary</a:t>
-            </a:r>
-            <a:endParaRPr lang="en-US" dirty="0"/>
-          </a:p>
-        </p:txBody>
-      </p:sp>
-      <p:sp>
-        <p:nvSpPr>
-          <p:cNvPr id="3" name="Content Placeholder 2"/>
-          <p:cNvSpPr>
-            <a:spLocks noGrp="1"/>
-          </p:cNvSpPr>
-          <p:nvPr>
-            <p:ph idx="1"/>
-          </p:nvPr>
-        </p:nvSpPr>
-        <p:spPr/>
-        <p:txBody>
-          <a:bodyPr/>
-          <a:lstStyle/>
-          <a:p>
-            <a:r>
-              <a:rPr lang="en-US" dirty="0" smtClean="0"/>
-              <a:t>Floating points are tricky</a:t>
-            </a:r>
-          </a:p>
-          <a:p>
-            <a:pPr lvl="1"/>
-            <a:r>
-              <a:rPr lang="en-US" dirty="0" smtClean="0"/>
-              <a:t>Precision diminishes as magnitude grows</a:t>
-            </a:r>
-          </a:p>
-          <a:p>
-            <a:pPr lvl="1"/>
-            <a:r>
-              <a:rPr lang="en-US" dirty="0" smtClean="0"/>
-              <a:t>overflow, rounding error</a:t>
-            </a:r>
-          </a:p>
-          <a:p>
-            <a:r>
-              <a:rPr lang="en-US" dirty="0" smtClean="0"/>
-              <a:t>Many real world disasters due to FP trickiness</a:t>
-            </a:r>
-          </a:p>
-          <a:p>
-            <a:pPr lvl="1"/>
-            <a:r>
-              <a:rPr lang="en-US" dirty="0" smtClean="0"/>
-              <a:t>Patriot Missile failed to intercept due </a:t>
-            </a:r>
-            <a:r>
-              <a:rPr lang="en-US" dirty="0" smtClean="0"/>
-              <a:t>to </a:t>
-            </a:r>
-            <a:r>
-              <a:rPr lang="en-US" dirty="0" smtClean="0"/>
-              <a:t>rounding error (1991)</a:t>
-            </a:r>
-          </a:p>
-          <a:p>
-            <a:pPr lvl="1"/>
-            <a:r>
-              <a:rPr lang="en-US" dirty="0" err="1" smtClean="0"/>
-              <a:t>Ariane</a:t>
-            </a:r>
-            <a:r>
-              <a:rPr lang="en-US" dirty="0" smtClean="0"/>
-              <a:t> 5 explosion due to overflow in converting from double to </a:t>
-            </a:r>
-            <a:r>
-              <a:rPr lang="en-US" dirty="0" err="1" smtClean="0"/>
-              <a:t>int</a:t>
-            </a:r>
-            <a:r>
-              <a:rPr lang="en-US" dirty="0" smtClean="0"/>
-              <a:t> (1996)</a:t>
-            </a:r>
-            <a:endParaRPr lang="en-US" dirty="0"/>
-          </a:p>
-        </p:txBody>
-      </p:sp>
-    </p:spTree>
-    <p:extLst>
-      <p:ext uri="{BB962C8B-B14F-4D97-AF65-F5344CB8AC3E}">
-        <p14:creationId xmlns:p14="http://schemas.microsoft.com/office/powerpoint/2010/main" val="1621721914"/>
       </p:ext>
     </p:extLst>
   </p:cSld>
@@ -51146,7 +52836,7 @@
           <a:graphicData uri="http://schemas.openxmlformats.org/presentationml/2006/ole">
             <mc:AlternateContent xmlns:mc="http://schemas.openxmlformats.org/markup-compatibility/2006">
               <mc:Choice xmlns:v="urn:schemas-microsoft-com:vml" Requires="v">
-                <p:oleObj spid="_x0000_s138352" name="公式" r:id="rId3" imgW="660400" imgH="457200" progId="Equation.3">
+                <p:oleObj spid="_x0000_s138368" name="公式" r:id="rId3" imgW="660400" imgH="457200" progId="Equation.3">
                   <p:embed/>
                 </p:oleObj>
               </mc:Choice>
@@ -51185,6 +52875,143 @@
     <p:extLst>
       <p:ext uri="{BB962C8B-B14F-4D97-AF65-F5344CB8AC3E}">
         <p14:creationId xmlns:p14="http://schemas.microsoft.com/office/powerpoint/2010/main" val="3907691317"/>
+      </p:ext>
+    </p:extLst>
+  </p:cSld>
+  <p:clrMapOvr>
+    <a:masterClrMapping/>
+  </p:clrMapOvr>
+  <p:timing>
+    <p:tnLst>
+      <p:par>
+        <p:cTn xmlns:p14="http://schemas.microsoft.com/office/powerpoint/2010/main" id="1" dur="indefinite" restart="never" nodeType="tmRoot"/>
+      </p:par>
+    </p:tnLst>
+  </p:timing>
+</p:sld>
+</file>
+
+<file path=ppt/slides/slide70.xml><?xml version="1.0" encoding="utf-8"?>
+<p:sld xmlns:a="http://schemas.openxmlformats.org/drawingml/2006/main" xmlns:r="http://schemas.openxmlformats.org/officeDocument/2006/relationships" xmlns:p="http://schemas.openxmlformats.org/presentationml/2006/main">
+  <p:cSld>
+    <p:spTree>
+      <p:nvGrpSpPr>
+        <p:cNvPr id="1" name=""/>
+        <p:cNvGrpSpPr/>
+        <p:nvPr/>
+      </p:nvGrpSpPr>
+      <p:grpSpPr>
+        <a:xfrm>
+          <a:off x="0" y="0"/>
+          <a:ext cx="0" cy="0"/>
+          <a:chOff x="0" y="0"/>
+          <a:chExt cx="0" cy="0"/>
+        </a:xfrm>
+      </p:grpSpPr>
+      <p:sp>
+        <p:nvSpPr>
+          <p:cNvPr id="2" name="Title 1"/>
+          <p:cNvSpPr>
+            <a:spLocks noGrp="1"/>
+          </p:cNvSpPr>
+          <p:nvPr>
+            <p:ph type="title"/>
+          </p:nvPr>
+        </p:nvSpPr>
+        <p:spPr/>
+        <p:txBody>
+          <a:bodyPr/>
+          <a:lstStyle/>
+          <a:p>
+            <a:r>
+              <a:rPr lang="en-US" dirty="0" smtClean="0"/>
+              <a:t>Floating point summary</a:t>
+            </a:r>
+            <a:endParaRPr lang="en-US" dirty="0"/>
+          </a:p>
+        </p:txBody>
+      </p:sp>
+      <p:sp>
+        <p:nvSpPr>
+          <p:cNvPr id="3" name="Content Placeholder 2"/>
+          <p:cNvSpPr>
+            <a:spLocks noGrp="1"/>
+          </p:cNvSpPr>
+          <p:nvPr>
+            <p:ph idx="1"/>
+          </p:nvPr>
+        </p:nvSpPr>
+        <p:spPr/>
+        <p:txBody>
+          <a:bodyPr/>
+          <a:lstStyle/>
+          <a:p>
+            <a:r>
+              <a:rPr lang="en-US" dirty="0" smtClean="0"/>
+              <a:t>Floating points are tricky</a:t>
+            </a:r>
+          </a:p>
+          <a:p>
+            <a:pPr lvl="1"/>
+            <a:r>
+              <a:rPr lang="en-US" dirty="0" smtClean="0"/>
+              <a:t>Precision diminishes as magnitude grows</a:t>
+            </a:r>
+          </a:p>
+          <a:p>
+            <a:pPr lvl="1"/>
+            <a:r>
+              <a:rPr lang="en-US" dirty="0" smtClean="0"/>
+              <a:t>overflow, rounding error</a:t>
+            </a:r>
+          </a:p>
+          <a:p>
+            <a:r>
+              <a:rPr lang="en-US" dirty="0" smtClean="0"/>
+              <a:t>Many real world disasters due to FP trickiness</a:t>
+            </a:r>
+          </a:p>
+          <a:p>
+            <a:pPr lvl="1"/>
+            <a:r>
+              <a:rPr lang="en-US" dirty="0" smtClean="0"/>
+              <a:t>Patriot Missile failed to intercept due </a:t>
+            </a:r>
+            <a:r>
+              <a:rPr lang="en-US" dirty="0" smtClean="0"/>
+              <a:t>to </a:t>
+            </a:r>
+            <a:r>
+              <a:rPr lang="en-US" dirty="0" smtClean="0"/>
+              <a:t>rounding error (1991)</a:t>
+            </a:r>
+          </a:p>
+          <a:p>
+            <a:pPr lvl="1"/>
+            <a:r>
+              <a:rPr lang="en-US" dirty="0" err="1" smtClean="0"/>
+              <a:t>Ariane</a:t>
+            </a:r>
+            <a:r>
+              <a:rPr lang="en-US" dirty="0" smtClean="0"/>
+              <a:t> 5 explosion due to overflow in converting from double to </a:t>
+            </a:r>
+            <a:r>
+              <a:rPr lang="en-US" dirty="0" err="1" smtClean="0"/>
+              <a:t>int</a:t>
+            </a:r>
+            <a:r>
+              <a:rPr lang="en-US" dirty="0" smtClean="0"/>
+              <a:t> (1996)</a:t>
+            </a:r>
+            <a:endParaRPr lang="en-US" dirty="0"/>
+          </a:p>
+        </p:txBody>
+      </p:sp>
+    </p:spTree>
+    <p:extLst>
+      <p:ext uri="{BB962C8B-B14F-4D97-AF65-F5344CB8AC3E}">
+        <p14:creationId xmlns:p14="http://schemas.microsoft.com/office/powerpoint/2010/main" val="1621721914"/>
       </p:ext>
     </p:extLst>
   </p:cSld>

--- a/notes/03-floats.pptx
+++ b/notes/03-floats.pptx
@@ -174,14 +174,6 @@
     </p:ext>
   </p:extLst>
 </p:presentation>
-</file>
-
-<file path=ppt/revisionInfo.xml><?xml version="1.0" encoding="utf-8"?>
-<p1510:revInfo xmlns:a="http://schemas.openxmlformats.org/drawingml/2006/main" xmlns:r="http://schemas.openxmlformats.org/officeDocument/2006/relationships" xmlns:p1510="http://schemas.microsoft.com/office/powerpoint/2015/10/main">
-  <p1510:revLst>
-    <p1510:client id="{C47A7FED-E1AF-4BF1-992E-11DF80EB40CF}" v="138" dt="2020-09-16T16:18:31.835"/>
-  </p1510:revLst>
-</p1510:revInfo>
 </file>
 
 <file path=ppt/handoutMasters/handoutMaster1.xml><?xml version="1.0" encoding="utf-8"?>
@@ -26061,7 +26053,7 @@
           <a:graphicData uri="http://schemas.openxmlformats.org/presentationml/2006/ole">
             <mc:AlternateContent xmlns:mc="http://schemas.openxmlformats.org/markup-compatibility/2006">
               <mc:Choice xmlns:v="urn:schemas-microsoft-com:vml" Requires="v">
-                <p:oleObj spid="_x0000_s2052" name="公式" r:id="rId3" imgW="152400" imgH="127000" progId="Equation.3">
+                <p:oleObj spid="_x0000_s2054" name="公式" r:id="rId3" imgW="152400" imgH="127000" progId="Equation.3">
                   <p:embed/>
                 </p:oleObj>
               </mc:Choice>
@@ -26118,7 +26110,7 @@
           <a:graphicData uri="http://schemas.openxmlformats.org/presentationml/2006/ole">
             <mc:AlternateContent xmlns:mc="http://schemas.openxmlformats.org/markup-compatibility/2006">
               <mc:Choice xmlns:v="urn:schemas-microsoft-com:vml" Requires="v">
-                <p:oleObj spid="_x0000_s2053" name="公式" r:id="rId5" imgW="152400" imgH="127000" progId="Equation.3">
+                <p:oleObj spid="_x0000_s2055" name="公式" r:id="rId5" imgW="152400" imgH="127000" progId="Equation.3">
                   <p:embed/>
                 </p:oleObj>
               </mc:Choice>
@@ -27995,7 +27987,7 @@
               <a:graphicData uri="http://schemas.openxmlformats.org/presentationml/2006/ole">
                 <mc:AlternateContent xmlns:mc="http://schemas.openxmlformats.org/markup-compatibility/2006">
                   <mc:Choice xmlns:v="urn:schemas-microsoft-com:vml" Requires="v">
-                    <p:oleObj spid="_x0000_s1030" name="公式" r:id="rId4" imgW="152400" imgH="127000" progId="Equation.3">
+                    <p:oleObj spid="_x0000_s1034" name="公式" r:id="rId4" imgW="152400" imgH="127000" progId="Equation.3">
                       <p:embed/>
                     </p:oleObj>
                   </mc:Choice>
@@ -28090,7 +28082,7 @@
               <a:graphicData uri="http://schemas.openxmlformats.org/presentationml/2006/ole">
                 <mc:AlternateContent xmlns:mc="http://schemas.openxmlformats.org/markup-compatibility/2006">
                   <mc:Choice xmlns:v="urn:schemas-microsoft-com:vml" Requires="v">
-                    <p:oleObj spid="_x0000_s1031" name="公式" r:id="rId6" imgW="152400" imgH="127000" progId="Equation.3">
+                    <p:oleObj spid="_x0000_s1035" name="公式" r:id="rId6" imgW="152400" imgH="127000" progId="Equation.3">
                       <p:embed/>
                     </p:oleObj>
                   </mc:Choice>
@@ -28757,7 +28749,7 @@
               <a:graphicData uri="http://schemas.openxmlformats.org/presentationml/2006/ole">
                 <mc:AlternateContent xmlns:mc="http://schemas.openxmlformats.org/markup-compatibility/2006">
                   <mc:Choice xmlns:v="urn:schemas-microsoft-com:vml" Requires="v">
-                    <p:oleObj spid="_x0000_s1032" name="公式" r:id="rId4" imgW="152400" imgH="127000" progId="Equation.3">
+                    <p:oleObj spid="_x0000_s1036" name="公式" r:id="rId4" imgW="152400" imgH="127000" progId="Equation.3">
                       <p:embed/>
                     </p:oleObj>
                   </mc:Choice>
@@ -28876,7 +28868,7 @@
               <a:graphicData uri="http://schemas.openxmlformats.org/presentationml/2006/ole">
                 <mc:AlternateContent xmlns:mc="http://schemas.openxmlformats.org/markup-compatibility/2006">
                   <mc:Choice xmlns:v="urn:schemas-microsoft-com:vml" Requires="v">
-                    <p:oleObj spid="_x0000_s1033" name="公式" r:id="rId6" imgW="152400" imgH="127000" progId="Equation.3">
+                    <p:oleObj spid="_x0000_s1037" name="公式" r:id="rId6" imgW="152400" imgH="127000" progId="Equation.3">
                       <p:embed/>
                     </p:oleObj>
                   </mc:Choice>
@@ -32523,7 +32515,7 @@
           <a:graphicData uri="http://schemas.openxmlformats.org/presentationml/2006/ole">
             <mc:AlternateContent xmlns:mc="http://schemas.openxmlformats.org/markup-compatibility/2006">
               <mc:Choice xmlns:v="urn:schemas-microsoft-com:vml" Requires="v">
-                <p:oleObj spid="_x0000_s3075" name="Worksheet" r:id="rId4" imgW="8334632" imgH="1095839" progId="Excel.Sheet.8">
+                <p:oleObj spid="_x0000_s3076" name="Worksheet" r:id="rId4" imgW="8334632" imgH="1095839" progId="Excel.Sheet.8">
                   <p:embed/>
                 </p:oleObj>
               </mc:Choice>
@@ -33523,7 +33515,7 @@
             <a:graphicData uri="http://schemas.openxmlformats.org/presentationml/2006/ole">
               <mc:AlternateContent xmlns:mc="http://schemas.openxmlformats.org/markup-compatibility/2006">
                 <mc:Choice xmlns:v="urn:schemas-microsoft-com:vml" Requires="v">
-                  <p:oleObj spid="_x0000_s4099" name="工作表" r:id="rId3" imgW="8334632" imgH="1105208" progId="Excel.Sheet.8">
+                  <p:oleObj spid="_x0000_s4100" name="工作表" r:id="rId3" imgW="8334632" imgH="1105208" progId="Excel.Sheet.8">
                     <p:embed/>
                   </p:oleObj>
                 </mc:Choice>
@@ -34817,7 +34809,7 @@
             <a:graphicData uri="http://schemas.openxmlformats.org/presentationml/2006/ole">
               <mc:AlternateContent xmlns:mc="http://schemas.openxmlformats.org/markup-compatibility/2006">
                 <mc:Choice xmlns:v="urn:schemas-microsoft-com:vml" Requires="v">
-                  <p:oleObj spid="_x0000_s5123" name="工作表" r:id="rId4" imgW="8334632" imgH="1105208" progId="Excel.Sheet.8">
+                  <p:oleObj spid="_x0000_s5124" name="工作表" r:id="rId4" imgW="8334632" imgH="1105208" progId="Excel.Sheet.8">
                     <p:embed/>
                   </p:oleObj>
                 </mc:Choice>
@@ -36253,7 +36245,7 @@
             <a:graphicData uri="http://schemas.openxmlformats.org/presentationml/2006/ole">
               <mc:AlternateContent xmlns:mc="http://schemas.openxmlformats.org/markup-compatibility/2006">
                 <mc:Choice xmlns:v="urn:schemas-microsoft-com:vml" Requires="v">
-                  <p:oleObj spid="_x0000_s6147" name="工作表" r:id="rId4" imgW="8334632" imgH="1105208" progId="Excel.Sheet.8">
+                  <p:oleObj spid="_x0000_s6148" name="工作表" r:id="rId4" imgW="8334632" imgH="1105208" progId="Excel.Sheet.8">
                     <p:embed/>
                   </p:oleObj>
                 </mc:Choice>
